--- a/3a. DataFactory - Installation and Update/DataFactoy Systemvoraussetzungen.pptx
+++ b/3a. DataFactory - Installation and Update/DataFactoy Systemvoraussetzungen.pptx
@@ -3069,7 +3069,7 @@
         <p:spPr>
           <a:xfrm>
             <a:off x="244976" y="1140824"/>
-            <a:ext cx="6120680" cy="8156079"/>
+            <a:ext cx="6352376" cy="8156079"/>
           </a:xfrm>
           <a:prstGeom prst="rect">
             <a:avLst/>
@@ -3101,7 +3101,15 @@
           <a:p>
             <a:r>
               <a:rPr lang="de-DE" sz="1200" dirty="0"/>
-              <a:t>DataFactory dient zur Erfassung von Daten für die Unternehmensplanung und die Organisation verschiedener Fachbereiche. Zumeist erfolgt die Erfassung von Daten für viele operative Bereiche, so das größere Benutzerzahlen zu erwarten sind.</a:t>
+              <a:t>DataFactory dient zur Erfassung von Daten für die Unternehmensplanung und die Organisation verschiedener Fachbereiche. Zumeist erfolgt die Erfassung von Daten für viele operative Bereiche </a:t>
+            </a:r>
+            <a:r>
+              <a:rPr lang="de-DE" sz="800" dirty="0"/>
+              <a:t>(Projekte, Personal, Verträge, Fuhrpark), </a:t>
+            </a:r>
+            <a:r>
+              <a:rPr lang="de-DE" sz="1200" dirty="0"/>
+              <a:t>so dass größere Benutzerzahlen zu erwarten sind.</a:t>
             </a:r>
           </a:p>
           <a:p>
@@ -3124,11 +3132,11 @@
             </a:r>
             <a:r>
               <a:rPr lang="de-DE" sz="1200" dirty="0" err="1"/>
-              <a:t>ActiveDirectory</a:t>
+              <a:t>Active</a:t>
             </a:r>
             <a:r>
               <a:rPr lang="de-DE" sz="1200" dirty="0"/>
-              <a:t> </a:t>
+              <a:t> Directory </a:t>
             </a:r>
             <a:r>
               <a:rPr lang="de-DE" sz="800" dirty="0"/>
@@ -3146,11 +3154,11 @@
             </a:r>
             <a:r>
               <a:rPr lang="de-DE" sz="1200" dirty="0"/>
-              <a:t> Server mit Interneteinbindung </a:t>
+              <a:t> Server mit Internetanbindung </a:t>
             </a:r>
             <a:r>
               <a:rPr lang="de-DE" sz="800" dirty="0"/>
-              <a:t>(https Konfiguration etc. erforderlich)</a:t>
+              <a:t>(bspw. Zugriff durch Benutzer weltweit ohne gemeinsame Domäne, ohne VPN)</a:t>
             </a:r>
           </a:p>
           <a:p>
@@ -3164,7 +3172,7 @@
             </a:r>
             <a:r>
               <a:rPr lang="de-DE" sz="800" dirty="0"/>
-              <a:t>(Auf unseren oder Ihren Servern als PaaS Applikation mit Azure </a:t>
+              <a:t>(Auf unseren oder Ihren Servern als PaaS Applikation incl. Azure </a:t>
             </a:r>
             <a:r>
               <a:rPr lang="de-DE" sz="800" dirty="0" err="1"/>
@@ -3172,7 +3180,15 @@
             </a:r>
             <a:r>
               <a:rPr lang="de-DE" sz="800" dirty="0"/>
-              <a:t> Directory)</a:t>
+              <a:t> Directory </a:t>
+            </a:r>
+            <a:r>
+              <a:rPr lang="de-DE" sz="800" dirty="0" err="1"/>
+              <a:t>deploybar</a:t>
+            </a:r>
+            <a:r>
+              <a:rPr lang="de-DE" sz="800" dirty="0"/>
+              <a:t>)</a:t>
             </a:r>
           </a:p>
           <a:p>
@@ -3290,7 +3306,7 @@
           <a:p>
             <a:r>
               <a:rPr lang="de-DE" sz="1200" dirty="0"/>
-              <a:t>Das System erlaubt über ERP Schnittstellen etc. eine Vielzahl von Automatisierungsprozessen zu vor- oder nachgelagerten Systemen. Diese passieren alle serverseitig, vom Server aus brauchen wir daher ggf. Zugriff auf Datenbanken anderer Systeme (meist ERP) oder stellen Daten für andere System (</a:t>
+              <a:t>Das System erlaubt über ERP Schnittstellen etc. eine Vielzahl von Automatisierungsprozessen zu vor- oder nachgelagerten Systemen. Diese passieren alle serverseitig, vom Server aus brauchen wir daher ggf. Zugriff auf Datenbanken anderer Systeme (meist ERP) oder stellen Daten für andere Systeme (</a:t>
             </a:r>
             <a:r>
               <a:rPr lang="de-DE" sz="1200" dirty="0" err="1"/>
@@ -3307,7 +3323,7 @@
           <a:p>
             <a:r>
               <a:rPr lang="de-DE" sz="1200" dirty="0"/>
-              <a:t>Das System führt üblicherweise nächtliche Import / Verarbeitungs- / Export Prozesse durch die einem Monitoring unterliegen sollten. Wir binden die Server daher in unser Monitoring ein und stellen Ihnen gern Daten für Ihre </a:t>
+              <a:t>Das System führt üblicherweise nächtliche Import / Verarbeitungs- / Export Prozesse durch, die einem Monitoring unterliegen sollten. Wir binden die Server daher in unser Monitoring ein und stellen Ihnen gern Daten für Ihre </a:t>
             </a:r>
             <a:r>
               <a:rPr lang="de-DE" sz="1200" dirty="0" err="1"/>
@@ -3333,7 +3349,7 @@
           <a:p>
             <a:r>
               <a:rPr lang="de-DE" sz="1200" dirty="0"/>
-              <a:t>Alle genannten Systemvoraussetzungen können gemäß Ihren Anforderungen modifiziert werden, sofern Sie besondere Cloud-, Sicherheits-, und Verfügbarkeitsanforderungen haben. </a:t>
+              <a:t>Alle genannten Systemvoraussetzungen können gemäß Ihren Anforderungen modifiziert werden, sofern Sie besondere Cloud-, Sicherheits-, oder Verfügbarkeitsanforderungen haben. </a:t>
             </a:r>
           </a:p>
           <a:p>
@@ -3663,7 +3679,7 @@
         <p:spPr>
           <a:xfrm>
             <a:off x="244976" y="1140824"/>
-            <a:ext cx="6120680" cy="8402300"/>
+            <a:ext cx="6120680" cy="8586966"/>
           </a:xfrm>
           <a:prstGeom prst="rect">
             <a:avLst/>
@@ -3886,7 +3902,7 @@
                   </a:schemeClr>
                 </a:solidFill>
               </a:rPr>
-              <a:t>Windows 2012 R2 oder höher Server</a:t>
+              <a:t>Windows 2012 R2 Server oder höher</a:t>
             </a:r>
           </a:p>
           <a:p>
@@ -4142,7 +4158,29 @@
                   </a:schemeClr>
                 </a:solidFill>
               </a:rPr>
-              <a:t>Speicherplatz Backups: 1 TB</a:t>
+              <a:t>Speicherplatz Backups auf NAS </a:t>
+            </a:r>
+            <a:r>
+              <a:rPr lang="de-DE" sz="1200" dirty="0" err="1">
+                <a:solidFill>
+                  <a:schemeClr val="tx1">
+                    <a:lumMod val="85000"/>
+                    <a:lumOff val="15000"/>
+                  </a:schemeClr>
+                </a:solidFill>
+              </a:rPr>
+              <a:t>o.ä</a:t>
+            </a:r>
+            <a:r>
+              <a:rPr lang="de-DE" sz="1200" dirty="0">
+                <a:solidFill>
+                  <a:schemeClr val="tx1">
+                    <a:lumMod val="85000"/>
+                    <a:lumOff val="15000"/>
+                  </a:schemeClr>
+                </a:solidFill>
+              </a:rPr>
+              <a:t>: 1 TB</a:t>
             </a:r>
           </a:p>
           <a:p>
@@ -4176,7 +4214,68 @@
                   </a:schemeClr>
                 </a:solidFill>
               </a:rPr>
-              <a:t>Internet auf Server verfügbar für Monitoring und Updates</a:t>
+              <a:t>Internet auf Server verfügbar </a:t>
+            </a:r>
+            <a:r>
+              <a:rPr lang="de-DE" sz="800" dirty="0">
+                <a:solidFill>
+                  <a:schemeClr val="tx1">
+                    <a:lumMod val="85000"/>
+                    <a:lumOff val="15000"/>
+                  </a:schemeClr>
+                </a:solidFill>
+              </a:rPr>
+              <a:t>(für Monitoring und Updates)</a:t>
+            </a:r>
+          </a:p>
+          <a:p>
+            <a:pPr marL="800100" lvl="1" indent="-342900">
+              <a:buFont typeface="Arial" pitchFamily="34" charset="0"/>
+              <a:buChar char="•"/>
+            </a:pPr>
+            <a:r>
+              <a:rPr lang="de-DE" sz="1200" dirty="0">
+                <a:solidFill>
+                  <a:schemeClr val="tx1">
+                    <a:lumMod val="85000"/>
+                    <a:lumOff val="15000"/>
+                  </a:schemeClr>
+                </a:solidFill>
+              </a:rPr>
+              <a:t>Excel verfügbar auf dem Server </a:t>
+            </a:r>
+            <a:r>
+              <a:rPr lang="de-DE" sz="800" dirty="0">
+                <a:solidFill>
+                  <a:schemeClr val="tx1">
+                    <a:lumMod val="85000"/>
+                    <a:lumOff val="15000"/>
+                  </a:schemeClr>
+                </a:solidFill>
+              </a:rPr>
+              <a:t>(oder einem für </a:t>
+            </a:r>
+            <a:r>
+              <a:rPr lang="de-DE" sz="800" dirty="0" err="1">
+                <a:solidFill>
+                  <a:schemeClr val="tx1">
+                    <a:lumMod val="85000"/>
+                    <a:lumOff val="15000"/>
+                  </a:schemeClr>
+                </a:solidFill>
+              </a:rPr>
+              <a:t>saxess</a:t>
+            </a:r>
+            <a:r>
+              <a:rPr lang="de-DE" sz="800" dirty="0">
+                <a:solidFill>
+                  <a:schemeClr val="tx1">
+                    <a:lumMod val="85000"/>
+                    <a:lumOff val="15000"/>
+                  </a:schemeClr>
+                </a:solidFill>
+              </a:rPr>
+              <a:t> per RDP erreichbarem Client)</a:t>
             </a:r>
           </a:p>
           <a:p>
@@ -4283,7 +4382,18 @@
                   </a:schemeClr>
                 </a:solidFill>
               </a:rPr>
-              <a:t>Makros können mit Organisationszertifikat digital signiert werden um nur diese in der Organisation zu genehmigen</a:t>
+              <a:t>Makros können mit Organisationszertifikat digital signiert werden um nur diese in der Organisation zu genehmigen </a:t>
+            </a:r>
+            <a:r>
+              <a:rPr lang="de-DE" sz="800" dirty="0">
+                <a:solidFill>
+                  <a:schemeClr val="tx1">
+                    <a:lumMod val="85000"/>
+                    <a:lumOff val="15000"/>
+                  </a:schemeClr>
+                </a:solidFill>
+              </a:rPr>
+              <a:t>(falls Makros per Gruppenrichtline deaktiviert sind)</a:t>
             </a:r>
           </a:p>
           <a:p>
@@ -4372,7 +4482,7 @@
                   </a:schemeClr>
                 </a:solidFill>
               </a:rPr>
-              <a:t>(lokalen Administratorrechten auf </a:t>
+              <a:t>(lokale Administratorrechte auf </a:t>
             </a:r>
             <a:r>
               <a:rPr lang="de-DE" sz="800" dirty="0" err="1">
@@ -4444,7 +4554,7 @@
                   </a:schemeClr>
                 </a:solidFill>
               </a:rPr>
-              <a:t>(Dienstkonto für DataFactory Server)</a:t>
+              <a:t>(Dienstkonto für DataFactory Service)</a:t>
             </a:r>
           </a:p>
           <a:p>
@@ -4511,7 +4621,7 @@
                   </a:schemeClr>
                 </a:solidFill>
               </a:rPr>
-              <a:t>Ggf. Lesender Zugang auf Vorsystemdatenbanken </a:t>
+              <a:t>ggf. lesender Zugang auf Vorsystemdatenbanken </a:t>
             </a:r>
           </a:p>
           <a:p>

--- a/3a. DataFactory - Installation and Update/DataFactoy Systemvoraussetzungen.pptx
+++ b/3a. DataFactory - Installation and Update/DataFactoy Systemvoraussetzungen.pptx
@@ -304,7 +304,7 @@
             <a:fld id="{4A822124-BDB8-4DC5-8F41-BBB4CF6022AF}" type="datetimeFigureOut">
               <a:rPr lang="de-DE" smtClean="0"/>
               <a:pPr/>
-              <a:t>02.08.2018</a:t>
+              <a:t>21.09.2018</a:t>
             </a:fld>
             <a:endParaRPr lang="de-DE" dirty="0"/>
           </a:p>
@@ -469,7 +469,7 @@
             <a:fld id="{4A822124-BDB8-4DC5-8F41-BBB4CF6022AF}" type="datetimeFigureOut">
               <a:rPr lang="de-DE" smtClean="0"/>
               <a:pPr/>
-              <a:t>02.08.2018</a:t>
+              <a:t>21.09.2018</a:t>
             </a:fld>
             <a:endParaRPr lang="de-DE" dirty="0"/>
           </a:p>
@@ -644,7 +644,7 @@
             <a:fld id="{4A822124-BDB8-4DC5-8F41-BBB4CF6022AF}" type="datetimeFigureOut">
               <a:rPr lang="de-DE" smtClean="0"/>
               <a:pPr/>
-              <a:t>02.08.2018</a:t>
+              <a:t>21.09.2018</a:t>
             </a:fld>
             <a:endParaRPr lang="de-DE" dirty="0"/>
           </a:p>
@@ -809,7 +809,7 @@
             <a:fld id="{4A822124-BDB8-4DC5-8F41-BBB4CF6022AF}" type="datetimeFigureOut">
               <a:rPr lang="de-DE" smtClean="0"/>
               <a:pPr/>
-              <a:t>02.08.2018</a:t>
+              <a:t>21.09.2018</a:t>
             </a:fld>
             <a:endParaRPr lang="de-DE" dirty="0"/>
           </a:p>
@@ -1051,7 +1051,7 @@
             <a:fld id="{4A822124-BDB8-4DC5-8F41-BBB4CF6022AF}" type="datetimeFigureOut">
               <a:rPr lang="de-DE" smtClean="0"/>
               <a:pPr/>
-              <a:t>02.08.2018</a:t>
+              <a:t>21.09.2018</a:t>
             </a:fld>
             <a:endParaRPr lang="de-DE" dirty="0"/>
           </a:p>
@@ -1333,7 +1333,7 @@
             <a:fld id="{4A822124-BDB8-4DC5-8F41-BBB4CF6022AF}" type="datetimeFigureOut">
               <a:rPr lang="de-DE" smtClean="0"/>
               <a:pPr/>
-              <a:t>02.08.2018</a:t>
+              <a:t>21.09.2018</a:t>
             </a:fld>
             <a:endParaRPr lang="de-DE" dirty="0"/>
           </a:p>
@@ -1754,7 +1754,7 @@
             <a:fld id="{4A822124-BDB8-4DC5-8F41-BBB4CF6022AF}" type="datetimeFigureOut">
               <a:rPr lang="de-DE" smtClean="0"/>
               <a:pPr/>
-              <a:t>02.08.2018</a:t>
+              <a:t>21.09.2018</a:t>
             </a:fld>
             <a:endParaRPr lang="de-DE" dirty="0"/>
           </a:p>
@@ -1868,7 +1868,7 @@
             <a:fld id="{4A822124-BDB8-4DC5-8F41-BBB4CF6022AF}" type="datetimeFigureOut">
               <a:rPr lang="de-DE" smtClean="0"/>
               <a:pPr/>
-              <a:t>02.08.2018</a:t>
+              <a:t>21.09.2018</a:t>
             </a:fld>
             <a:endParaRPr lang="de-DE" dirty="0"/>
           </a:p>
@@ -1960,7 +1960,7 @@
             <a:fld id="{4A822124-BDB8-4DC5-8F41-BBB4CF6022AF}" type="datetimeFigureOut">
               <a:rPr lang="de-DE" smtClean="0"/>
               <a:pPr/>
-              <a:t>02.08.2018</a:t>
+              <a:t>21.09.2018</a:t>
             </a:fld>
             <a:endParaRPr lang="de-DE" dirty="0"/>
           </a:p>
@@ -2232,7 +2232,7 @@
             <a:fld id="{4A822124-BDB8-4DC5-8F41-BBB4CF6022AF}" type="datetimeFigureOut">
               <a:rPr lang="de-DE" smtClean="0"/>
               <a:pPr/>
-              <a:t>02.08.2018</a:t>
+              <a:t>21.09.2018</a:t>
             </a:fld>
             <a:endParaRPr lang="de-DE" dirty="0"/>
           </a:p>
@@ -2481,7 +2481,7 @@
             <a:fld id="{4A822124-BDB8-4DC5-8F41-BBB4CF6022AF}" type="datetimeFigureOut">
               <a:rPr lang="de-DE" smtClean="0"/>
               <a:pPr/>
-              <a:t>02.08.2018</a:t>
+              <a:t>21.09.2018</a:t>
             </a:fld>
             <a:endParaRPr lang="de-DE" dirty="0"/>
           </a:p>
@@ -2689,7 +2689,7 @@
             <a:fld id="{4A822124-BDB8-4DC5-8F41-BBB4CF6022AF}" type="datetimeFigureOut">
               <a:rPr lang="de-DE" smtClean="0"/>
               <a:pPr/>
-              <a:t>02.08.2018</a:t>
+              <a:t>21.09.2018</a:t>
             </a:fld>
             <a:endParaRPr lang="de-DE" dirty="0"/>
           </a:p>
@@ -3069,7 +3069,7 @@
         <p:spPr>
           <a:xfrm>
             <a:off x="244976" y="1140824"/>
-            <a:ext cx="6352376" cy="8156079"/>
+            <a:ext cx="6352376" cy="8525411"/>
           </a:xfrm>
           <a:prstGeom prst="rect">
             <a:avLst/>
@@ -3105,7 +3105,7 @@
             </a:r>
             <a:r>
               <a:rPr lang="de-DE" sz="800" dirty="0"/>
-              <a:t>(Projekte, Personal, Verträge, Fuhrpark), </a:t>
+              <a:t>(Rechnungswesen, Projekte, Personal, Verträge, Fuhrpark), </a:t>
             </a:r>
             <a:r>
               <a:rPr lang="de-DE" sz="1200" dirty="0"/>
@@ -3331,7 +3331,7 @@
             </a:r>
             <a:r>
               <a:rPr lang="de-DE" sz="1200" dirty="0"/>
-              <a:t> bereit. Wir brauchen daher Internetzugang auf dem Server.</a:t>
+              <a:t> bereit. Wir benötigen daher Internetzugang auf dem Server.</a:t>
             </a:r>
           </a:p>
           <a:p>
@@ -3340,7 +3340,15 @@
           <a:p>
             <a:r>
               <a:rPr lang="de-DE" sz="1200" dirty="0"/>
-              <a:t>Der Aufbau des Systems erfolgt meist über mehrere Monate, wir bitten Sie daher um einen permanenten RDP Zugriff auf den Server.</a:t>
+              <a:t>Der Aufbau des Systems erfolgt meist über mehrere Monate, wir bitten Sie daher um einen permanenten RDP Zugriff auf den Server. Bitte sperren Sie im RDP nicht die Zwischenablage </a:t>
+            </a:r>
+            <a:r>
+              <a:rPr lang="de-DE" sz="800" dirty="0"/>
+              <a:t>(zumindest nicht für Text, Binärdaten können gesperrt sein)</a:t>
+            </a:r>
+            <a:r>
+              <a:rPr lang="de-DE" sz="1200" dirty="0"/>
+              <a:t>, wir müssen oft SQL Befehle kopieren etc. was ohne Zwischenablage viel gesonderten Zeitaufwand verursacht.</a:t>
             </a:r>
           </a:p>
           <a:p>
@@ -4197,7 +4205,29 @@
                   </a:schemeClr>
                 </a:solidFill>
               </a:rPr>
-              <a:t>Remotezugang auf Server per RDP über VPN</a:t>
+              <a:t>Remotezugang auf Server per RDP </a:t>
+            </a:r>
+            <a:r>
+              <a:rPr lang="de-DE" sz="800" dirty="0">
+                <a:solidFill>
+                  <a:schemeClr val="tx1">
+                    <a:lumMod val="85000"/>
+                    <a:lumOff val="15000"/>
+                  </a:schemeClr>
+                </a:solidFill>
+              </a:rPr>
+              <a:t>(Zwischenablage aktiv) </a:t>
+            </a:r>
+            <a:r>
+              <a:rPr lang="de-DE" sz="1200" dirty="0">
+                <a:solidFill>
+                  <a:schemeClr val="tx1">
+                    <a:lumMod val="85000"/>
+                    <a:lumOff val="15000"/>
+                  </a:schemeClr>
+                </a:solidFill>
+              </a:rPr>
+              <a:t>über VPN</a:t>
             </a:r>
           </a:p>
           <a:p>
@@ -4621,7 +4651,29 @@
                   </a:schemeClr>
                 </a:solidFill>
               </a:rPr>
-              <a:t>ggf. lesender Zugang auf Vorsystemdatenbanken </a:t>
+              <a:t>ggf. lesender </a:t>
+            </a:r>
+            <a:r>
+              <a:rPr lang="de-DE" sz="1200">
+                <a:solidFill>
+                  <a:schemeClr val="tx1">
+                    <a:lumMod val="85000"/>
+                    <a:lumOff val="15000"/>
+                  </a:schemeClr>
+                </a:solidFill>
+              </a:rPr>
+              <a:t>SQL Zugriff </a:t>
+            </a:r>
+            <a:r>
+              <a:rPr lang="de-DE" sz="1200" dirty="0">
+                <a:solidFill>
+                  <a:schemeClr val="tx1">
+                    <a:lumMod val="85000"/>
+                    <a:lumOff val="15000"/>
+                  </a:schemeClr>
+                </a:solidFill>
+              </a:rPr>
+              <a:t>auf Vorsystemdatenbanken </a:t>
             </a:r>
           </a:p>
           <a:p>

--- a/3a. DataFactory - Installation and Update/DataFactoy Systemvoraussetzungen.pptx
+++ b/3a. DataFactory - Installation and Update/DataFactoy Systemvoraussetzungen.pptx
@@ -7,6 +7,7 @@
   <p:sldIdLst>
     <p:sldId id="274" r:id="rId2"/>
     <p:sldId id="273" r:id="rId3"/>
+    <p:sldId id="275" r:id="rId4"/>
   </p:sldIdLst>
   <p:sldSz cx="6858000" cy="9906000" type="A4"/>
   <p:notesSz cx="7099300" cy="10234613"/>
@@ -3687,7 +3688,7 @@
         <p:spPr>
           <a:xfrm>
             <a:off x="244976" y="1140824"/>
-            <a:ext cx="6120680" cy="8586966"/>
+            <a:ext cx="6120680" cy="8402300"/>
           </a:xfrm>
           <a:prstGeom prst="rect">
             <a:avLst/>
@@ -4448,13 +4449,10 @@
                   </a:schemeClr>
                 </a:solidFill>
               </a:rPr>
-              <a:t>Rechtebedarf:</a:t>
-            </a:r>
-          </a:p>
-          <a:p>
-            <a:pPr marL="342900" indent="-342900"/>
-            <a:r>
-              <a:rPr lang="de-DE" sz="1200" dirty="0">
+              <a:t>Rechtebedarf: </a:t>
+            </a:r>
+            <a:r>
+              <a:rPr lang="de-DE" sz="800" dirty="0">
                 <a:solidFill>
                   <a:schemeClr val="tx1">
                     <a:lumMod val="85000"/>
@@ -4462,8 +4460,16 @@
                   </a:schemeClr>
                 </a:solidFill>
               </a:rPr>
-              <a:t>		</a:t>
-            </a:r>
+              <a:t>die Benutzer/Gruppen sind logische Namen, tatsächlich können sie gemäß Organisationskonvention benannt sein</a:t>
+            </a:r>
+            <a:endParaRPr lang="de-DE" sz="1200" dirty="0">
+              <a:solidFill>
+                <a:schemeClr val="tx1">
+                  <a:lumMod val="85000"/>
+                  <a:lumOff val="15000"/>
+                </a:schemeClr>
+              </a:solidFill>
+            </a:endParaRPr>
           </a:p>
           <a:p>
             <a:pPr marL="800100" lvl="1" indent="-342900">
@@ -4479,7 +4485,7 @@
                   </a:schemeClr>
                 </a:solidFill>
               </a:rPr>
-              <a:t>Domänenbenutzer Domäne\</a:t>
+              <a:t>Domänenbenutzer: [Domäne]\</a:t>
             </a:r>
             <a:r>
               <a:rPr lang="de-DE" sz="1200" dirty="0" err="1">
@@ -4551,7 +4557,7 @@
                   </a:schemeClr>
                 </a:solidFill>
               </a:rPr>
-              <a:t>Domänenbenutzer Domäne\</a:t>
+              <a:t>Domänenbenutzer: [Domäne]\</a:t>
             </a:r>
             <a:r>
               <a:rPr lang="de-DE" sz="1200" dirty="0" err="1">
@@ -4601,7 +4607,7 @@
                   </a:schemeClr>
                 </a:solidFill>
               </a:rPr>
-              <a:t>AD Gruppe Domäne\</a:t>
+              <a:t>AD Gruppe: [Domäne]\</a:t>
             </a:r>
             <a:r>
               <a:rPr lang="de-DE" sz="1200" dirty="0" err="1">
@@ -4651,29 +4657,7 @@
                   </a:schemeClr>
                 </a:solidFill>
               </a:rPr>
-              <a:t>ggf. lesender </a:t>
-            </a:r>
-            <a:r>
-              <a:rPr lang="de-DE" sz="1200">
-                <a:solidFill>
-                  <a:schemeClr val="tx1">
-                    <a:lumMod val="85000"/>
-                    <a:lumOff val="15000"/>
-                  </a:schemeClr>
-                </a:solidFill>
-              </a:rPr>
-              <a:t>SQL Zugriff </a:t>
-            </a:r>
-            <a:r>
-              <a:rPr lang="de-DE" sz="1200" dirty="0">
-                <a:solidFill>
-                  <a:schemeClr val="tx1">
-                    <a:lumMod val="85000"/>
-                    <a:lumOff val="15000"/>
-                  </a:schemeClr>
-                </a:solidFill>
-              </a:rPr>
-              <a:t>auf Vorsystemdatenbanken </a:t>
+              <a:t>ggf. lesender SQL Zugriff auf Vorsystemdatenbanken </a:t>
             </a:r>
           </a:p>
           <a:p>
@@ -5027,6 +5011,2014 @@
     <p:extLst>
       <p:ext uri="{BB962C8B-B14F-4D97-AF65-F5344CB8AC3E}">
         <p14:creationId xmlns:p14="http://schemas.microsoft.com/office/powerpoint/2010/main" val="1792617091"/>
+      </p:ext>
+    </p:extLst>
+  </p:cSld>
+  <p:clrMapOvr>
+    <a:masterClrMapping/>
+  </p:clrMapOvr>
+</p:sld>
+</file>
+
+<file path=ppt/slides/slide3.xml><?xml version="1.0" encoding="utf-8"?>
+<p:sld xmlns:a="http://schemas.openxmlformats.org/drawingml/2006/main" xmlns:r="http://schemas.openxmlformats.org/officeDocument/2006/relationships" xmlns:p="http://schemas.openxmlformats.org/presentationml/2006/main">
+  <p:cSld>
+    <p:spTree>
+      <p:nvGrpSpPr>
+        <p:cNvPr id="1" name=""/>
+        <p:cNvGrpSpPr/>
+        <p:nvPr/>
+      </p:nvGrpSpPr>
+      <p:grpSpPr>
+        <a:xfrm>
+          <a:off x="0" y="0"/>
+          <a:ext cx="0" cy="0"/>
+          <a:chOff x="0" y="0"/>
+          <a:chExt cx="0" cy="0"/>
+        </a:xfrm>
+      </p:grpSpPr>
+      <p:sp>
+        <p:nvSpPr>
+          <p:cNvPr id="10" name="Rechteck 9"/>
+          <p:cNvSpPr/>
+          <p:nvPr/>
+        </p:nvSpPr>
+        <p:spPr>
+          <a:xfrm>
+            <a:off x="0" y="755429"/>
+            <a:ext cx="6858000" cy="310245"/>
+          </a:xfrm>
+          <a:prstGeom prst="rect">
+            <a:avLst/>
+          </a:prstGeom>
+          <a:gradFill flip="none" rotWithShape="1">
+            <a:gsLst>
+              <a:gs pos="0">
+                <a:schemeClr val="tx1">
+                  <a:lumMod val="65000"/>
+                  <a:lumOff val="35000"/>
+                  <a:shade val="30000"/>
+                  <a:satMod val="115000"/>
+                </a:schemeClr>
+              </a:gs>
+              <a:gs pos="50000">
+                <a:schemeClr val="tx1">
+                  <a:lumMod val="65000"/>
+                  <a:lumOff val="35000"/>
+                  <a:shade val="67500"/>
+                  <a:satMod val="115000"/>
+                </a:schemeClr>
+              </a:gs>
+              <a:gs pos="100000">
+                <a:schemeClr val="tx1">
+                  <a:lumMod val="65000"/>
+                  <a:lumOff val="35000"/>
+                  <a:shade val="100000"/>
+                  <a:satMod val="115000"/>
+                </a:schemeClr>
+              </a:gs>
+            </a:gsLst>
+            <a:lin ang="10800000" scaled="1"/>
+            <a:tileRect/>
+          </a:gradFill>
+          <a:ln w="12700">
+            <a:noFill/>
+          </a:ln>
+          <a:effectLst>
+            <a:outerShdw blurRad="50800" dist="38100" dir="2700000" algn="tl" rotWithShape="0">
+              <a:prstClr val="black">
+                <a:alpha val="40000"/>
+              </a:prstClr>
+            </a:outerShdw>
+          </a:effectLst>
+        </p:spPr>
+        <p:style>
+          <a:lnRef idx="1">
+            <a:schemeClr val="dk1"/>
+          </a:lnRef>
+          <a:fillRef idx="2">
+            <a:schemeClr val="dk1"/>
+          </a:fillRef>
+          <a:effectRef idx="1">
+            <a:schemeClr val="dk1"/>
+          </a:effectRef>
+          <a:fontRef idx="minor">
+            <a:schemeClr val="dk1"/>
+          </a:fontRef>
+        </p:style>
+        <p:txBody>
+          <a:bodyPr/>
+          <a:lstStyle/>
+          <a:p>
+            <a:pPr algn="ctr"/>
+            <a:endParaRPr lang="de-DE" b="1" dirty="0">
+              <a:solidFill>
+                <a:schemeClr val="dk1"/>
+              </a:solidFill>
+            </a:endParaRPr>
+          </a:p>
+        </p:txBody>
+      </p:sp>
+      <p:sp>
+        <p:nvSpPr>
+          <p:cNvPr id="11" name="Textfeld 10"/>
+          <p:cNvSpPr txBox="1"/>
+          <p:nvPr/>
+        </p:nvSpPr>
+        <p:spPr>
+          <a:xfrm>
+            <a:off x="330645" y="749423"/>
+            <a:ext cx="3259354" cy="338554"/>
+          </a:xfrm>
+          <a:prstGeom prst="rect">
+            <a:avLst/>
+          </a:prstGeom>
+          <a:noFill/>
+        </p:spPr>
+        <p:txBody>
+          <a:bodyPr wrap="none" rtlCol="0">
+            <a:spAutoFit/>
+          </a:bodyPr>
+          <a:lstStyle/>
+          <a:p>
+            <a:r>
+              <a:rPr lang="de-DE" sz="1600" b="1" dirty="0">
+                <a:solidFill>
+                  <a:schemeClr val="bg1"/>
+                </a:solidFill>
+              </a:rPr>
+              <a:t>Beispiele für Systemkonfigurationen</a:t>
+            </a:r>
+          </a:p>
+        </p:txBody>
+      </p:sp>
+      <p:sp>
+        <p:nvSpPr>
+          <p:cNvPr id="12" name="Rechteck 11"/>
+          <p:cNvSpPr/>
+          <p:nvPr/>
+        </p:nvSpPr>
+        <p:spPr>
+          <a:xfrm>
+            <a:off x="-1626" y="9417497"/>
+            <a:ext cx="6858000" cy="488504"/>
+          </a:xfrm>
+          <a:prstGeom prst="rect">
+            <a:avLst/>
+          </a:prstGeom>
+          <a:gradFill flip="none" rotWithShape="1">
+            <a:gsLst>
+              <a:gs pos="0">
+                <a:schemeClr val="tx1">
+                  <a:lumMod val="65000"/>
+                  <a:lumOff val="35000"/>
+                  <a:shade val="30000"/>
+                  <a:satMod val="115000"/>
+                </a:schemeClr>
+              </a:gs>
+              <a:gs pos="50000">
+                <a:schemeClr val="tx1">
+                  <a:lumMod val="65000"/>
+                  <a:lumOff val="35000"/>
+                  <a:shade val="67500"/>
+                  <a:satMod val="115000"/>
+                </a:schemeClr>
+              </a:gs>
+              <a:gs pos="100000">
+                <a:schemeClr val="tx1">
+                  <a:lumMod val="65000"/>
+                  <a:lumOff val="35000"/>
+                  <a:shade val="100000"/>
+                  <a:satMod val="115000"/>
+                </a:schemeClr>
+              </a:gs>
+            </a:gsLst>
+            <a:lin ang="10800000" scaled="1"/>
+            <a:tileRect/>
+          </a:gradFill>
+          <a:ln w="12700">
+            <a:noFill/>
+          </a:ln>
+          <a:effectLst>
+            <a:outerShdw blurRad="50800" dist="38100" dir="2700000" algn="tl" rotWithShape="0">
+              <a:prstClr val="black">
+                <a:alpha val="40000"/>
+              </a:prstClr>
+            </a:outerShdw>
+          </a:effectLst>
+        </p:spPr>
+        <p:style>
+          <a:lnRef idx="1">
+            <a:schemeClr val="dk1"/>
+          </a:lnRef>
+          <a:fillRef idx="2">
+            <a:schemeClr val="dk1"/>
+          </a:fillRef>
+          <a:effectRef idx="1">
+            <a:schemeClr val="dk1"/>
+          </a:effectRef>
+          <a:fontRef idx="minor">
+            <a:schemeClr val="dk1"/>
+          </a:fontRef>
+        </p:style>
+        <p:txBody>
+          <a:bodyPr/>
+          <a:lstStyle/>
+          <a:p>
+            <a:pPr algn="ctr"/>
+            <a:endParaRPr lang="de-DE" b="1" dirty="0">
+              <a:solidFill>
+                <a:schemeClr val="dk1"/>
+              </a:solidFill>
+            </a:endParaRPr>
+          </a:p>
+        </p:txBody>
+      </p:sp>
+      <p:sp>
+        <p:nvSpPr>
+          <p:cNvPr id="9" name="Textfeld 8"/>
+          <p:cNvSpPr txBox="1"/>
+          <p:nvPr/>
+        </p:nvSpPr>
+        <p:spPr>
+          <a:xfrm>
+            <a:off x="148890" y="9524470"/>
+            <a:ext cx="6216766" cy="400110"/>
+          </a:xfrm>
+          <a:prstGeom prst="rect">
+            <a:avLst/>
+          </a:prstGeom>
+          <a:noFill/>
+        </p:spPr>
+        <p:txBody>
+          <a:bodyPr wrap="none" rtlCol="0">
+            <a:spAutoFit/>
+          </a:bodyPr>
+          <a:lstStyle/>
+          <a:p>
+            <a:r>
+              <a:rPr lang="de-DE" sz="1000" b="1" dirty="0">
+                <a:solidFill>
+                  <a:schemeClr val="bg1"/>
+                </a:solidFill>
+              </a:rPr>
+              <a:t>Saxess Software GmbH</a:t>
+            </a:r>
+            <a:r>
+              <a:rPr lang="de-DE" sz="1000" dirty="0">
+                <a:solidFill>
+                  <a:schemeClr val="bg1"/>
+                </a:solidFill>
+              </a:rPr>
+              <a:t> | Springerstr.3 | 04105 Leipzig | Tel. +49 (341) 218299-50 | Mail info@saxess-software.de </a:t>
+            </a:r>
+          </a:p>
+          <a:p>
+            <a:endParaRPr lang="de-DE" sz="1000" dirty="0">
+              <a:solidFill>
+                <a:schemeClr val="bg1"/>
+              </a:solidFill>
+            </a:endParaRPr>
+          </a:p>
+        </p:txBody>
+      </p:sp>
+      <p:pic>
+        <p:nvPicPr>
+          <p:cNvPr id="13" name="Grafik 12"/>
+          <p:cNvPicPr>
+            <a:picLocks noChangeAspect="1"/>
+          </p:cNvPicPr>
+          <p:nvPr/>
+        </p:nvPicPr>
+        <p:blipFill>
+          <a:blip r:embed="rId2" cstate="print">
+            <a:extLst>
+              <a:ext uri="{28A0092B-C50C-407E-A947-70E740481C1C}">
+                <a14:useLocalDpi xmlns:a14="http://schemas.microsoft.com/office/drawing/2010/main" val="0"/>
+              </a:ext>
+            </a:extLst>
+          </a:blip>
+          <a:stretch>
+            <a:fillRect/>
+          </a:stretch>
+        </p:blipFill>
+        <p:spPr>
+          <a:xfrm>
+            <a:off x="5101654" y="131692"/>
+            <a:ext cx="1412776" cy="588178"/>
+          </a:xfrm>
+          <a:prstGeom prst="rect">
+            <a:avLst/>
+          </a:prstGeom>
+        </p:spPr>
+      </p:pic>
+      <p:graphicFrame>
+        <p:nvGraphicFramePr>
+          <p:cNvPr id="2" name="Tabelle 1">
+            <a:extLst>
+              <a:ext uri="{FF2B5EF4-FFF2-40B4-BE49-F238E27FC236}">
+                <a16:creationId xmlns:a16="http://schemas.microsoft.com/office/drawing/2014/main" id="{63C4885E-7FFE-41DF-9E94-7A8CA468FB91}"/>
+              </a:ext>
+            </a:extLst>
+          </p:cNvPr>
+          <p:cNvGraphicFramePr>
+            <a:graphicFrameLocks noGrp="1"/>
+          </p:cNvGraphicFramePr>
+          <p:nvPr>
+            <p:extLst>
+              <p:ext uri="{D42A27DB-BD31-4B8C-83A1-F6EECF244321}">
+                <p14:modId xmlns:p14="http://schemas.microsoft.com/office/powerpoint/2010/main" val="520153236"/>
+              </p:ext>
+            </p:extLst>
+          </p:nvPr>
+        </p:nvGraphicFramePr>
+        <p:xfrm>
+          <a:off x="309387" y="1352600"/>
+          <a:ext cx="6183784" cy="5829120"/>
+        </p:xfrm>
+        <a:graphic>
+          <a:graphicData uri="http://schemas.openxmlformats.org/drawingml/2006/table">
+            <a:tbl>
+              <a:tblPr firstRow="1" bandRow="1">
+                <a:tableStyleId>{616DA210-FB5B-4158-B5E0-FEB733F419BA}</a:tableStyleId>
+              </a:tblPr>
+              <a:tblGrid>
+                <a:gridCol w="1545946">
+                  <a:extLst>
+                    <a:ext uri="{9D8B030D-6E8A-4147-A177-3AD203B41FA5}">
+                      <a16:colId xmlns:a16="http://schemas.microsoft.com/office/drawing/2014/main" val="2806731405"/>
+                    </a:ext>
+                  </a:extLst>
+                </a:gridCol>
+                <a:gridCol w="1545946">
+                  <a:extLst>
+                    <a:ext uri="{9D8B030D-6E8A-4147-A177-3AD203B41FA5}">
+                      <a16:colId xmlns:a16="http://schemas.microsoft.com/office/drawing/2014/main" val="389296587"/>
+                    </a:ext>
+                  </a:extLst>
+                </a:gridCol>
+                <a:gridCol w="1545946">
+                  <a:extLst>
+                    <a:ext uri="{9D8B030D-6E8A-4147-A177-3AD203B41FA5}">
+                      <a16:colId xmlns:a16="http://schemas.microsoft.com/office/drawing/2014/main" val="4130794976"/>
+                    </a:ext>
+                  </a:extLst>
+                </a:gridCol>
+                <a:gridCol w="1545946">
+                  <a:extLst>
+                    <a:ext uri="{9D8B030D-6E8A-4147-A177-3AD203B41FA5}">
+                      <a16:colId xmlns:a16="http://schemas.microsoft.com/office/drawing/2014/main" val="4137505999"/>
+                    </a:ext>
+                  </a:extLst>
+                </a:gridCol>
+              </a:tblGrid>
+              <a:tr h="288000">
+                <a:tc>
+                  <a:txBody>
+                    <a:bodyPr/>
+                    <a:lstStyle/>
+                    <a:p>
+                      <a:r>
+                        <a:rPr lang="de-DE" sz="1200" dirty="0"/>
+                        <a:t>Eigenschaft</a:t>
+                      </a:r>
+                    </a:p>
+                  </a:txBody>
+                  <a:tcPr>
+                    <a:lnL w="12700" cmpd="sng">
+                      <a:noFill/>
+                    </a:lnL>
+                    <a:lnR w="12700" cmpd="sng">
+                      <a:noFill/>
+                    </a:lnR>
+                    <a:lnT w="12700" cmpd="sng">
+                      <a:noFill/>
+                    </a:lnT>
+                    <a:lnB w="25400" cmpd="sng">
+                      <a:noFill/>
+                    </a:lnB>
+                    <a:lnTlToBr w="12700" cmpd="sng">
+                      <a:noFill/>
+                      <a:prstDash val="solid"/>
+                    </a:lnTlToBr>
+                    <a:lnBlToTr w="12700" cmpd="sng">
+                      <a:noFill/>
+                      <a:prstDash val="solid"/>
+                    </a:lnBlToTr>
+                  </a:tcPr>
+                </a:tc>
+                <a:tc>
+                  <a:txBody>
+                    <a:bodyPr/>
+                    <a:lstStyle/>
+                    <a:p>
+                      <a:r>
+                        <a:rPr lang="de-DE" sz="1200" dirty="0"/>
+                        <a:t>Klein</a:t>
+                      </a:r>
+                    </a:p>
+                  </a:txBody>
+                  <a:tcPr>
+                    <a:lnL w="12700" cmpd="sng">
+                      <a:noFill/>
+                    </a:lnL>
+                    <a:lnR w="12700" cmpd="sng">
+                      <a:noFill/>
+                    </a:lnR>
+                    <a:lnT w="12700" cmpd="sng">
+                      <a:noFill/>
+                    </a:lnT>
+                    <a:lnB w="25400" cmpd="sng">
+                      <a:noFill/>
+                    </a:lnB>
+                    <a:lnTlToBr w="12700" cmpd="sng">
+                      <a:noFill/>
+                      <a:prstDash val="solid"/>
+                    </a:lnTlToBr>
+                    <a:lnBlToTr w="12700" cmpd="sng">
+                      <a:noFill/>
+                      <a:prstDash val="solid"/>
+                    </a:lnBlToTr>
+                  </a:tcPr>
+                </a:tc>
+                <a:tc>
+                  <a:txBody>
+                    <a:bodyPr/>
+                    <a:lstStyle/>
+                    <a:p>
+                      <a:r>
+                        <a:rPr lang="de-DE" sz="1200" dirty="0"/>
+                        <a:t>Mittel</a:t>
+                      </a:r>
+                    </a:p>
+                  </a:txBody>
+                  <a:tcPr>
+                    <a:lnL w="12700" cmpd="sng">
+                      <a:noFill/>
+                    </a:lnL>
+                    <a:lnR w="12700" cmpd="sng">
+                      <a:noFill/>
+                    </a:lnR>
+                    <a:lnT w="12700" cmpd="sng">
+                      <a:noFill/>
+                    </a:lnT>
+                    <a:lnB w="25400" cmpd="sng">
+                      <a:noFill/>
+                    </a:lnB>
+                    <a:lnTlToBr w="12700" cmpd="sng">
+                      <a:noFill/>
+                      <a:prstDash val="solid"/>
+                    </a:lnTlToBr>
+                    <a:lnBlToTr w="12700" cmpd="sng">
+                      <a:noFill/>
+                      <a:prstDash val="solid"/>
+                    </a:lnBlToTr>
+                  </a:tcPr>
+                </a:tc>
+                <a:tc>
+                  <a:txBody>
+                    <a:bodyPr/>
+                    <a:lstStyle/>
+                    <a:p>
+                      <a:r>
+                        <a:rPr lang="de-DE" sz="1200" dirty="0"/>
+                        <a:t>Groß</a:t>
+                      </a:r>
+                    </a:p>
+                  </a:txBody>
+                  <a:tcPr>
+                    <a:lnL w="12700" cmpd="sng">
+                      <a:noFill/>
+                    </a:lnL>
+                    <a:lnR w="12700" cmpd="sng">
+                      <a:noFill/>
+                    </a:lnR>
+                    <a:lnT w="12700" cmpd="sng">
+                      <a:noFill/>
+                    </a:lnT>
+                    <a:lnB w="25400" cmpd="sng">
+                      <a:noFill/>
+                    </a:lnB>
+                    <a:lnTlToBr w="12700" cmpd="sng">
+                      <a:noFill/>
+                      <a:prstDash val="solid"/>
+                    </a:lnTlToBr>
+                    <a:lnBlToTr w="12700" cmpd="sng">
+                      <a:noFill/>
+                      <a:prstDash val="solid"/>
+                    </a:lnBlToTr>
+                  </a:tcPr>
+                </a:tc>
+                <a:extLst>
+                  <a:ext uri="{0D108BD9-81ED-4DB2-BD59-A6C34878D82A}">
+                    <a16:rowId xmlns:a16="http://schemas.microsoft.com/office/drawing/2014/main" val="1039615906"/>
+                  </a:ext>
+                </a:extLst>
+              </a:tr>
+              <a:tr h="288000">
+                <a:tc>
+                  <a:txBody>
+                    <a:bodyPr/>
+                    <a:lstStyle/>
+                    <a:p>
+                      <a:r>
+                        <a:rPr lang="de-DE" sz="1200" dirty="0"/>
+                        <a:t>Anwendungsbeispiel</a:t>
+                      </a:r>
+                    </a:p>
+                  </a:txBody>
+                  <a:tcPr>
+                    <a:lnL w="12700" cmpd="sng">
+                      <a:noFill/>
+                    </a:lnL>
+                    <a:lnR w="12700" cmpd="sng">
+                      <a:noFill/>
+                    </a:lnR>
+                    <a:lnT w="25400" cmpd="sng">
+                      <a:noFill/>
+                    </a:lnT>
+                    <a:lnB w="12700" cmpd="sng">
+                      <a:noFill/>
+                    </a:lnB>
+                    <a:lnTlToBr w="12700" cmpd="sng">
+                      <a:noFill/>
+                      <a:prstDash val="solid"/>
+                    </a:lnTlToBr>
+                    <a:lnBlToTr w="12700" cmpd="sng">
+                      <a:noFill/>
+                      <a:prstDash val="solid"/>
+                    </a:lnBlToTr>
+                  </a:tcPr>
+                </a:tc>
+                <a:tc>
+                  <a:txBody>
+                    <a:bodyPr/>
+                    <a:lstStyle/>
+                    <a:p>
+                      <a:r>
+                        <a:rPr lang="de-DE" sz="1200" dirty="0"/>
+                        <a:t>Zusatzmodul für Corporate Planner, Anwenderzahl &lt; 10</a:t>
+                      </a:r>
+                    </a:p>
+                  </a:txBody>
+                  <a:tcPr>
+                    <a:lnL w="12700" cmpd="sng">
+                      <a:noFill/>
+                    </a:lnL>
+                    <a:lnR w="12700" cmpd="sng">
+                      <a:noFill/>
+                    </a:lnR>
+                    <a:lnT w="25400" cmpd="sng">
+                      <a:noFill/>
+                    </a:lnT>
+                    <a:lnB w="12700" cmpd="sng">
+                      <a:noFill/>
+                    </a:lnB>
+                    <a:lnTlToBr w="12700" cmpd="sng">
+                      <a:noFill/>
+                      <a:prstDash val="solid"/>
+                    </a:lnTlToBr>
+                    <a:lnBlToTr w="12700" cmpd="sng">
+                      <a:noFill/>
+                      <a:prstDash val="solid"/>
+                    </a:lnBlToTr>
+                  </a:tcPr>
+                </a:tc>
+                <a:tc>
+                  <a:txBody>
+                    <a:bodyPr/>
+                    <a:lstStyle/>
+                    <a:p>
+                      <a:r>
+                        <a:rPr lang="de-DE" sz="1200" dirty="0"/>
+                        <a:t>Planungsumgebung für Personal, Investitionen und Verträge &lt; 50 User</a:t>
+                      </a:r>
+                    </a:p>
+                  </a:txBody>
+                  <a:tcPr>
+                    <a:lnL w="12700" cmpd="sng">
+                      <a:noFill/>
+                    </a:lnL>
+                    <a:lnR w="12700" cmpd="sng">
+                      <a:noFill/>
+                    </a:lnR>
+                    <a:lnT w="25400" cmpd="sng">
+                      <a:noFill/>
+                    </a:lnT>
+                    <a:lnB w="12700" cmpd="sng">
+                      <a:noFill/>
+                    </a:lnB>
+                    <a:lnTlToBr w="12700" cmpd="sng">
+                      <a:noFill/>
+                      <a:prstDash val="solid"/>
+                    </a:lnTlToBr>
+                    <a:lnBlToTr w="12700" cmpd="sng">
+                      <a:noFill/>
+                      <a:prstDash val="solid"/>
+                    </a:lnBlToTr>
+                  </a:tcPr>
+                </a:tc>
+                <a:tc>
+                  <a:txBody>
+                    <a:bodyPr/>
+                    <a:lstStyle/>
+                    <a:p>
+                      <a:r>
+                        <a:rPr lang="de-DE" sz="1200" dirty="0"/>
+                        <a:t>Planungsumgebung mit ERP Integration, umfangreiche Berechnungen mehrmals pro Stunde &lt; 200 User</a:t>
+                      </a:r>
+                    </a:p>
+                  </a:txBody>
+                  <a:tcPr>
+                    <a:lnL w="12700" cmpd="sng">
+                      <a:noFill/>
+                    </a:lnL>
+                    <a:lnR w="12700" cmpd="sng">
+                      <a:noFill/>
+                    </a:lnR>
+                    <a:lnT w="25400" cmpd="sng">
+                      <a:noFill/>
+                    </a:lnT>
+                    <a:lnB w="12700" cmpd="sng">
+                      <a:noFill/>
+                    </a:lnB>
+                    <a:lnTlToBr w="12700" cmpd="sng">
+                      <a:noFill/>
+                      <a:prstDash val="solid"/>
+                    </a:lnTlToBr>
+                    <a:lnBlToTr w="12700" cmpd="sng">
+                      <a:noFill/>
+                      <a:prstDash val="solid"/>
+                    </a:lnBlToTr>
+                  </a:tcPr>
+                </a:tc>
+                <a:extLst>
+                  <a:ext uri="{0D108BD9-81ED-4DB2-BD59-A6C34878D82A}">
+                    <a16:rowId xmlns:a16="http://schemas.microsoft.com/office/drawing/2014/main" val="1912152914"/>
+                  </a:ext>
+                </a:extLst>
+              </a:tr>
+              <a:tr h="288000">
+                <a:tc>
+                  <a:txBody>
+                    <a:bodyPr/>
+                    <a:lstStyle/>
+                    <a:p>
+                      <a:r>
+                        <a:rPr lang="de-DE" sz="1200" dirty="0"/>
+                        <a:t>Installationstyp</a:t>
+                      </a:r>
+                    </a:p>
+                  </a:txBody>
+                  <a:tcPr>
+                    <a:lnL w="12700" cmpd="sng">
+                      <a:noFill/>
+                    </a:lnL>
+                    <a:lnR w="12700" cmpd="sng">
+                      <a:noFill/>
+                    </a:lnR>
+                    <a:lnT w="12700" cmpd="sng">
+                      <a:noFill/>
+                    </a:lnT>
+                    <a:lnB w="12700" cmpd="sng">
+                      <a:noFill/>
+                    </a:lnB>
+                    <a:lnTlToBr w="12700" cmpd="sng">
+                      <a:noFill/>
+                      <a:prstDash val="solid"/>
+                    </a:lnTlToBr>
+                    <a:lnBlToTr w="12700" cmpd="sng">
+                      <a:noFill/>
+                      <a:prstDash val="solid"/>
+                    </a:lnBlToTr>
+                  </a:tcPr>
+                </a:tc>
+                <a:tc>
+                  <a:txBody>
+                    <a:bodyPr/>
+                    <a:lstStyle/>
+                    <a:p>
+                      <a:r>
+                        <a:rPr lang="de-DE" sz="1200" dirty="0"/>
+                        <a:t>Meist neben anderen Applikationen auf einem Server</a:t>
+                      </a:r>
+                    </a:p>
+                  </a:txBody>
+                  <a:tcPr>
+                    <a:lnL w="12700" cmpd="sng">
+                      <a:noFill/>
+                    </a:lnL>
+                    <a:lnR w="12700" cmpd="sng">
+                      <a:noFill/>
+                    </a:lnR>
+                    <a:lnT w="12700" cmpd="sng">
+                      <a:noFill/>
+                    </a:lnT>
+                    <a:lnB w="12700" cmpd="sng">
+                      <a:noFill/>
+                    </a:lnB>
+                    <a:lnTlToBr w="12700" cmpd="sng">
+                      <a:noFill/>
+                      <a:prstDash val="solid"/>
+                    </a:lnTlToBr>
+                    <a:lnBlToTr w="12700" cmpd="sng">
+                      <a:noFill/>
+                      <a:prstDash val="solid"/>
+                    </a:lnBlToTr>
+                  </a:tcPr>
+                </a:tc>
+                <a:tc>
+                  <a:txBody>
+                    <a:bodyPr/>
+                    <a:lstStyle/>
+                    <a:p>
+                      <a:r>
+                        <a:rPr lang="de-DE" sz="1200" dirty="0"/>
+                        <a:t>Eigener (virtueller) Server, Datenbank lokal oder auf zentralem SQL Server</a:t>
+                      </a:r>
+                    </a:p>
+                  </a:txBody>
+                  <a:tcPr>
+                    <a:lnL w="12700" cmpd="sng">
+                      <a:noFill/>
+                    </a:lnL>
+                    <a:lnR w="12700" cmpd="sng">
+                      <a:noFill/>
+                    </a:lnR>
+                    <a:lnT w="12700" cmpd="sng">
+                      <a:noFill/>
+                    </a:lnT>
+                    <a:lnB w="12700" cmpd="sng">
+                      <a:noFill/>
+                    </a:lnB>
+                    <a:lnTlToBr w="12700" cmpd="sng">
+                      <a:noFill/>
+                      <a:prstDash val="solid"/>
+                    </a:lnTlToBr>
+                    <a:lnBlToTr w="12700" cmpd="sng">
+                      <a:noFill/>
+                      <a:prstDash val="solid"/>
+                    </a:lnBlToTr>
+                  </a:tcPr>
+                </a:tc>
+                <a:tc>
+                  <a:txBody>
+                    <a:bodyPr/>
+                    <a:lstStyle/>
+                    <a:p>
+                      <a:r>
+                        <a:rPr lang="de-DE" sz="1200" dirty="0"/>
+                        <a:t>Eigener (virtuelle) Server, eigene Datenbankinstanz lokal oder auf zentralem SQL Server</a:t>
+                      </a:r>
+                    </a:p>
+                  </a:txBody>
+                  <a:tcPr>
+                    <a:lnL w="12700" cmpd="sng">
+                      <a:noFill/>
+                    </a:lnL>
+                    <a:lnR w="12700" cmpd="sng">
+                      <a:noFill/>
+                    </a:lnR>
+                    <a:lnT w="12700" cmpd="sng">
+                      <a:noFill/>
+                    </a:lnT>
+                    <a:lnB w="12700" cmpd="sng">
+                      <a:noFill/>
+                    </a:lnB>
+                    <a:lnTlToBr w="12700" cmpd="sng">
+                      <a:noFill/>
+                      <a:prstDash val="solid"/>
+                    </a:lnTlToBr>
+                    <a:lnBlToTr w="12700" cmpd="sng">
+                      <a:noFill/>
+                      <a:prstDash val="solid"/>
+                    </a:lnBlToTr>
+                  </a:tcPr>
+                </a:tc>
+                <a:extLst>
+                  <a:ext uri="{0D108BD9-81ED-4DB2-BD59-A6C34878D82A}">
+                    <a16:rowId xmlns:a16="http://schemas.microsoft.com/office/drawing/2014/main" val="381010569"/>
+                  </a:ext>
+                </a:extLst>
+              </a:tr>
+              <a:tr h="288000">
+                <a:tc>
+                  <a:txBody>
+                    <a:bodyPr/>
+                    <a:lstStyle/>
+                    <a:p>
+                      <a:r>
+                        <a:rPr lang="de-DE" sz="1200" dirty="0"/>
+                        <a:t>SQL Server</a:t>
+                      </a:r>
+                    </a:p>
+                  </a:txBody>
+                  <a:tcPr>
+                    <a:lnL w="12700" cmpd="sng">
+                      <a:noFill/>
+                    </a:lnL>
+                    <a:lnR w="12700" cmpd="sng">
+                      <a:noFill/>
+                    </a:lnR>
+                    <a:lnT w="12700" cmpd="sng">
+                      <a:noFill/>
+                    </a:lnT>
+                    <a:lnB w="12700" cmpd="sng">
+                      <a:noFill/>
+                    </a:lnB>
+                    <a:lnTlToBr w="12700" cmpd="sng">
+                      <a:noFill/>
+                      <a:prstDash val="solid"/>
+                    </a:lnTlToBr>
+                    <a:lnBlToTr w="12700" cmpd="sng">
+                      <a:noFill/>
+                      <a:prstDash val="solid"/>
+                    </a:lnBlToTr>
+                  </a:tcPr>
+                </a:tc>
+                <a:tc>
+                  <a:txBody>
+                    <a:bodyPr/>
+                    <a:lstStyle/>
+                    <a:p>
+                      <a:r>
+                        <a:rPr lang="de-DE" sz="1200" dirty="0"/>
+                        <a:t>2012+ Express</a:t>
+                      </a:r>
+                    </a:p>
+                  </a:txBody>
+                  <a:tcPr>
+                    <a:lnL w="12700" cmpd="sng">
+                      <a:noFill/>
+                    </a:lnL>
+                    <a:lnR w="12700" cmpd="sng">
+                      <a:noFill/>
+                    </a:lnR>
+                    <a:lnT w="12700" cmpd="sng">
+                      <a:noFill/>
+                    </a:lnT>
+                    <a:lnB w="12700" cmpd="sng">
+                      <a:noFill/>
+                    </a:lnB>
+                    <a:lnTlToBr w="12700" cmpd="sng">
+                      <a:noFill/>
+                      <a:prstDash val="solid"/>
+                    </a:lnTlToBr>
+                    <a:lnBlToTr w="12700" cmpd="sng">
+                      <a:noFill/>
+                      <a:prstDash val="solid"/>
+                    </a:lnBlToTr>
+                  </a:tcPr>
+                </a:tc>
+                <a:tc>
+                  <a:txBody>
+                    <a:bodyPr/>
+                    <a:lstStyle/>
+                    <a:p>
+                      <a:r>
+                        <a:rPr lang="de-DE" sz="1200" dirty="0"/>
+                        <a:t>2012+ Standard</a:t>
+                      </a:r>
+                    </a:p>
+                  </a:txBody>
+                  <a:tcPr>
+                    <a:lnL w="12700" cmpd="sng">
+                      <a:noFill/>
+                    </a:lnL>
+                    <a:lnR w="12700" cmpd="sng">
+                      <a:noFill/>
+                    </a:lnR>
+                    <a:lnT w="12700" cmpd="sng">
+                      <a:noFill/>
+                    </a:lnT>
+                    <a:lnB w="12700" cmpd="sng">
+                      <a:noFill/>
+                    </a:lnB>
+                    <a:lnTlToBr w="12700" cmpd="sng">
+                      <a:noFill/>
+                      <a:prstDash val="solid"/>
+                    </a:lnTlToBr>
+                    <a:lnBlToTr w="12700" cmpd="sng">
+                      <a:noFill/>
+                      <a:prstDash val="solid"/>
+                    </a:lnBlToTr>
+                  </a:tcPr>
+                </a:tc>
+                <a:tc>
+                  <a:txBody>
+                    <a:bodyPr/>
+                    <a:lstStyle/>
+                    <a:p>
+                      <a:r>
+                        <a:rPr lang="de-DE" sz="1200" dirty="0"/>
+                        <a:t>2016+ Standard incl. Analysis Services </a:t>
+                      </a:r>
+                      <a:r>
+                        <a:rPr lang="de-DE" sz="1200" dirty="0" err="1"/>
+                        <a:t>Tabular</a:t>
+                      </a:r>
+                      <a:endParaRPr lang="de-DE" sz="1200" dirty="0"/>
+                    </a:p>
+                  </a:txBody>
+                  <a:tcPr>
+                    <a:lnL w="12700" cmpd="sng">
+                      <a:noFill/>
+                    </a:lnL>
+                    <a:lnR w="12700" cmpd="sng">
+                      <a:noFill/>
+                    </a:lnR>
+                    <a:lnT w="12700" cmpd="sng">
+                      <a:noFill/>
+                    </a:lnT>
+                    <a:lnB w="12700" cmpd="sng">
+                      <a:noFill/>
+                    </a:lnB>
+                    <a:lnTlToBr w="12700" cmpd="sng">
+                      <a:noFill/>
+                      <a:prstDash val="solid"/>
+                    </a:lnTlToBr>
+                    <a:lnBlToTr w="12700" cmpd="sng">
+                      <a:noFill/>
+                      <a:prstDash val="solid"/>
+                    </a:lnBlToTr>
+                  </a:tcPr>
+                </a:tc>
+                <a:extLst>
+                  <a:ext uri="{0D108BD9-81ED-4DB2-BD59-A6C34878D82A}">
+                    <a16:rowId xmlns:a16="http://schemas.microsoft.com/office/drawing/2014/main" val="2879288925"/>
+                  </a:ext>
+                </a:extLst>
+              </a:tr>
+              <a:tr h="288000">
+                <a:tc>
+                  <a:txBody>
+                    <a:bodyPr/>
+                    <a:lstStyle/>
+                    <a:p>
+                      <a:r>
+                        <a:rPr lang="de-DE" sz="1200" dirty="0"/>
+                        <a:t>Speicherplatz Datenbanken</a:t>
+                      </a:r>
+                    </a:p>
+                  </a:txBody>
+                  <a:tcPr>
+                    <a:lnL w="12700" cmpd="sng">
+                      <a:noFill/>
+                    </a:lnL>
+                    <a:lnR w="12700" cmpd="sng">
+                      <a:noFill/>
+                    </a:lnR>
+                    <a:lnT w="12700" cmpd="sng">
+                      <a:noFill/>
+                    </a:lnT>
+                    <a:lnB w="12700" cmpd="sng">
+                      <a:noFill/>
+                    </a:lnB>
+                    <a:lnTlToBr w="12700" cmpd="sng">
+                      <a:noFill/>
+                      <a:prstDash val="solid"/>
+                    </a:lnTlToBr>
+                    <a:lnBlToTr w="12700" cmpd="sng">
+                      <a:noFill/>
+                      <a:prstDash val="solid"/>
+                    </a:lnBlToTr>
+                  </a:tcPr>
+                </a:tc>
+                <a:tc>
+                  <a:txBody>
+                    <a:bodyPr/>
+                    <a:lstStyle/>
+                    <a:p>
+                      <a:r>
+                        <a:rPr lang="de-DE" sz="1200" dirty="0"/>
+                        <a:t>5 GB</a:t>
+                      </a:r>
+                    </a:p>
+                  </a:txBody>
+                  <a:tcPr>
+                    <a:lnL w="12700" cmpd="sng">
+                      <a:noFill/>
+                    </a:lnL>
+                    <a:lnR w="12700" cmpd="sng">
+                      <a:noFill/>
+                    </a:lnR>
+                    <a:lnT w="12700" cmpd="sng">
+                      <a:noFill/>
+                    </a:lnT>
+                    <a:lnB w="12700" cmpd="sng">
+                      <a:noFill/>
+                    </a:lnB>
+                    <a:lnTlToBr w="12700" cmpd="sng">
+                      <a:noFill/>
+                      <a:prstDash val="solid"/>
+                    </a:lnTlToBr>
+                    <a:lnBlToTr w="12700" cmpd="sng">
+                      <a:noFill/>
+                      <a:prstDash val="solid"/>
+                    </a:lnBlToTr>
+                  </a:tcPr>
+                </a:tc>
+                <a:tc>
+                  <a:txBody>
+                    <a:bodyPr/>
+                    <a:lstStyle/>
+                    <a:p>
+                      <a:r>
+                        <a:rPr lang="de-DE" sz="1200" dirty="0"/>
+                        <a:t>50 – 250 GB</a:t>
+                      </a:r>
+                    </a:p>
+                  </a:txBody>
+                  <a:tcPr>
+                    <a:lnL w="12700" cmpd="sng">
+                      <a:noFill/>
+                    </a:lnL>
+                    <a:lnR w="12700" cmpd="sng">
+                      <a:noFill/>
+                    </a:lnR>
+                    <a:lnT w="12700" cmpd="sng">
+                      <a:noFill/>
+                    </a:lnT>
+                    <a:lnB w="12700" cmpd="sng">
+                      <a:noFill/>
+                    </a:lnB>
+                    <a:lnTlToBr w="12700" cmpd="sng">
+                      <a:noFill/>
+                      <a:prstDash val="solid"/>
+                    </a:lnTlToBr>
+                    <a:lnBlToTr w="12700" cmpd="sng">
+                      <a:noFill/>
+                      <a:prstDash val="solid"/>
+                    </a:lnBlToTr>
+                  </a:tcPr>
+                </a:tc>
+                <a:tc>
+                  <a:txBody>
+                    <a:bodyPr/>
+                    <a:lstStyle/>
+                    <a:p>
+                      <a:r>
+                        <a:rPr lang="de-DE" sz="1200" dirty="0"/>
+                        <a:t>50 – 250 GB</a:t>
+                      </a:r>
+                    </a:p>
+                    <a:p>
+                      <a:r>
+                        <a:rPr lang="de-DE" sz="1200" dirty="0"/>
+                        <a:t>Mindestens </a:t>
+                      </a:r>
+                      <a:r>
+                        <a:rPr lang="de-DE" sz="1200" dirty="0" err="1"/>
+                        <a:t>tempdb</a:t>
+                      </a:r>
+                      <a:r>
+                        <a:rPr lang="de-DE" sz="1200" dirty="0"/>
+                        <a:t> auf SSD Platten</a:t>
+                      </a:r>
+                    </a:p>
+                  </a:txBody>
+                  <a:tcPr>
+                    <a:lnL w="12700" cmpd="sng">
+                      <a:noFill/>
+                    </a:lnL>
+                    <a:lnR w="12700" cmpd="sng">
+                      <a:noFill/>
+                    </a:lnR>
+                    <a:lnT w="12700" cmpd="sng">
+                      <a:noFill/>
+                    </a:lnT>
+                    <a:lnB w="12700" cmpd="sng">
+                      <a:noFill/>
+                    </a:lnB>
+                    <a:lnTlToBr w="12700" cmpd="sng">
+                      <a:noFill/>
+                      <a:prstDash val="solid"/>
+                    </a:lnTlToBr>
+                    <a:lnBlToTr w="12700" cmpd="sng">
+                      <a:noFill/>
+                      <a:prstDash val="solid"/>
+                    </a:lnBlToTr>
+                  </a:tcPr>
+                </a:tc>
+                <a:extLst>
+                  <a:ext uri="{0D108BD9-81ED-4DB2-BD59-A6C34878D82A}">
+                    <a16:rowId xmlns:a16="http://schemas.microsoft.com/office/drawing/2014/main" val="1950948449"/>
+                  </a:ext>
+                </a:extLst>
+              </a:tr>
+              <a:tr h="288000">
+                <a:tc>
+                  <a:txBody>
+                    <a:bodyPr/>
+                    <a:lstStyle/>
+                    <a:p>
+                      <a:r>
+                        <a:rPr lang="de-DE" sz="1200" dirty="0"/>
+                        <a:t>Speicherplatz Applikation</a:t>
+                      </a:r>
+                    </a:p>
+                  </a:txBody>
+                  <a:tcPr>
+                    <a:lnL w="12700" cmpd="sng">
+                      <a:noFill/>
+                    </a:lnL>
+                    <a:lnR w="12700" cmpd="sng">
+                      <a:noFill/>
+                    </a:lnR>
+                    <a:lnT w="12700" cmpd="sng">
+                      <a:noFill/>
+                    </a:lnT>
+                    <a:lnB w="12700" cmpd="sng">
+                      <a:noFill/>
+                    </a:lnB>
+                    <a:lnTlToBr w="12700" cmpd="sng">
+                      <a:noFill/>
+                      <a:prstDash val="solid"/>
+                    </a:lnTlToBr>
+                    <a:lnBlToTr w="12700" cmpd="sng">
+                      <a:noFill/>
+                      <a:prstDash val="solid"/>
+                    </a:lnBlToTr>
+                  </a:tcPr>
+                </a:tc>
+                <a:tc>
+                  <a:txBody>
+                    <a:bodyPr/>
+                    <a:lstStyle/>
+                    <a:p>
+                      <a:r>
+                        <a:rPr lang="de-DE" sz="1200" dirty="0"/>
+                        <a:t>20 GB</a:t>
+                      </a:r>
+                    </a:p>
+                  </a:txBody>
+                  <a:tcPr>
+                    <a:lnL w="12700" cmpd="sng">
+                      <a:noFill/>
+                    </a:lnL>
+                    <a:lnR w="12700" cmpd="sng">
+                      <a:noFill/>
+                    </a:lnR>
+                    <a:lnT w="12700" cmpd="sng">
+                      <a:noFill/>
+                    </a:lnT>
+                    <a:lnB w="12700" cmpd="sng">
+                      <a:noFill/>
+                    </a:lnB>
+                    <a:lnTlToBr w="12700" cmpd="sng">
+                      <a:noFill/>
+                      <a:prstDash val="solid"/>
+                    </a:lnTlToBr>
+                    <a:lnBlToTr w="12700" cmpd="sng">
+                      <a:noFill/>
+                      <a:prstDash val="solid"/>
+                    </a:lnBlToTr>
+                  </a:tcPr>
+                </a:tc>
+                <a:tc>
+                  <a:txBody>
+                    <a:bodyPr/>
+                    <a:lstStyle/>
+                    <a:p>
+                      <a:r>
+                        <a:rPr lang="de-DE" sz="1200" dirty="0"/>
+                        <a:t>20 GB</a:t>
+                      </a:r>
+                    </a:p>
+                  </a:txBody>
+                  <a:tcPr>
+                    <a:lnL w="12700" cmpd="sng">
+                      <a:noFill/>
+                    </a:lnL>
+                    <a:lnR w="12700" cmpd="sng">
+                      <a:noFill/>
+                    </a:lnR>
+                    <a:lnT w="12700" cmpd="sng">
+                      <a:noFill/>
+                    </a:lnT>
+                    <a:lnB w="12700" cmpd="sng">
+                      <a:noFill/>
+                    </a:lnB>
+                    <a:lnTlToBr w="12700" cmpd="sng">
+                      <a:noFill/>
+                      <a:prstDash val="solid"/>
+                    </a:lnTlToBr>
+                    <a:lnBlToTr w="12700" cmpd="sng">
+                      <a:noFill/>
+                      <a:prstDash val="solid"/>
+                    </a:lnBlToTr>
+                  </a:tcPr>
+                </a:tc>
+                <a:tc>
+                  <a:txBody>
+                    <a:bodyPr/>
+                    <a:lstStyle/>
+                    <a:p>
+                      <a:r>
+                        <a:rPr lang="de-DE" sz="1200" dirty="0"/>
+                        <a:t>20 GB</a:t>
+                      </a:r>
+                    </a:p>
+                  </a:txBody>
+                  <a:tcPr>
+                    <a:lnL w="12700" cmpd="sng">
+                      <a:noFill/>
+                    </a:lnL>
+                    <a:lnR w="12700" cmpd="sng">
+                      <a:noFill/>
+                    </a:lnR>
+                    <a:lnT w="12700" cmpd="sng">
+                      <a:noFill/>
+                    </a:lnT>
+                    <a:lnB w="12700" cmpd="sng">
+                      <a:noFill/>
+                    </a:lnB>
+                    <a:lnTlToBr w="12700" cmpd="sng">
+                      <a:noFill/>
+                      <a:prstDash val="solid"/>
+                    </a:lnTlToBr>
+                    <a:lnBlToTr w="12700" cmpd="sng">
+                      <a:noFill/>
+                      <a:prstDash val="solid"/>
+                    </a:lnBlToTr>
+                  </a:tcPr>
+                </a:tc>
+                <a:extLst>
+                  <a:ext uri="{0D108BD9-81ED-4DB2-BD59-A6C34878D82A}">
+                    <a16:rowId xmlns:a16="http://schemas.microsoft.com/office/drawing/2014/main" val="3511660253"/>
+                  </a:ext>
+                </a:extLst>
+              </a:tr>
+              <a:tr h="288000">
+                <a:tc>
+                  <a:txBody>
+                    <a:bodyPr/>
+                    <a:lstStyle/>
+                    <a:p>
+                      <a:r>
+                        <a:rPr lang="de-DE" sz="1200" dirty="0"/>
+                        <a:t>RAM </a:t>
+                      </a:r>
+                      <a:r>
+                        <a:rPr lang="de-DE" sz="1200" dirty="0" err="1"/>
+                        <a:t>ApplikationsServer</a:t>
+                      </a:r>
+                      <a:endParaRPr lang="de-DE" sz="1200" dirty="0"/>
+                    </a:p>
+                  </a:txBody>
+                  <a:tcPr>
+                    <a:lnL w="12700" cmpd="sng">
+                      <a:noFill/>
+                    </a:lnL>
+                    <a:lnR w="12700" cmpd="sng">
+                      <a:noFill/>
+                    </a:lnR>
+                    <a:lnT w="12700" cmpd="sng">
+                      <a:noFill/>
+                    </a:lnT>
+                    <a:lnB w="12700" cmpd="sng">
+                      <a:noFill/>
+                    </a:lnB>
+                    <a:lnTlToBr w="12700" cmpd="sng">
+                      <a:noFill/>
+                      <a:prstDash val="solid"/>
+                    </a:lnTlToBr>
+                    <a:lnBlToTr w="12700" cmpd="sng">
+                      <a:noFill/>
+                      <a:prstDash val="solid"/>
+                    </a:lnBlToTr>
+                  </a:tcPr>
+                </a:tc>
+                <a:tc>
+                  <a:txBody>
+                    <a:bodyPr/>
+                    <a:lstStyle/>
+                    <a:p>
+                      <a:r>
+                        <a:rPr lang="de-DE" sz="1200" dirty="0"/>
+                        <a:t>4 GB</a:t>
+                      </a:r>
+                    </a:p>
+                  </a:txBody>
+                  <a:tcPr>
+                    <a:lnL w="12700" cmpd="sng">
+                      <a:noFill/>
+                    </a:lnL>
+                    <a:lnR w="12700" cmpd="sng">
+                      <a:noFill/>
+                    </a:lnR>
+                    <a:lnT w="12700" cmpd="sng">
+                      <a:noFill/>
+                    </a:lnT>
+                    <a:lnB w="12700" cmpd="sng">
+                      <a:noFill/>
+                    </a:lnB>
+                    <a:lnTlToBr w="12700" cmpd="sng">
+                      <a:noFill/>
+                      <a:prstDash val="solid"/>
+                    </a:lnTlToBr>
+                    <a:lnBlToTr w="12700" cmpd="sng">
+                      <a:noFill/>
+                      <a:prstDash val="solid"/>
+                    </a:lnBlToTr>
+                  </a:tcPr>
+                </a:tc>
+                <a:tc>
+                  <a:txBody>
+                    <a:bodyPr/>
+                    <a:lstStyle/>
+                    <a:p>
+                      <a:r>
+                        <a:rPr lang="de-DE" sz="1200" dirty="0"/>
+                        <a:t>8 GM</a:t>
+                      </a:r>
+                    </a:p>
+                  </a:txBody>
+                  <a:tcPr>
+                    <a:lnL w="12700" cmpd="sng">
+                      <a:noFill/>
+                    </a:lnL>
+                    <a:lnR w="12700" cmpd="sng">
+                      <a:noFill/>
+                    </a:lnR>
+                    <a:lnT w="12700" cmpd="sng">
+                      <a:noFill/>
+                    </a:lnT>
+                    <a:lnB w="12700" cmpd="sng">
+                      <a:noFill/>
+                    </a:lnB>
+                    <a:lnTlToBr w="12700" cmpd="sng">
+                      <a:noFill/>
+                      <a:prstDash val="solid"/>
+                    </a:lnTlToBr>
+                    <a:lnBlToTr w="12700" cmpd="sng">
+                      <a:noFill/>
+                      <a:prstDash val="solid"/>
+                    </a:lnBlToTr>
+                  </a:tcPr>
+                </a:tc>
+                <a:tc>
+                  <a:txBody>
+                    <a:bodyPr/>
+                    <a:lstStyle/>
+                    <a:p>
+                      <a:r>
+                        <a:rPr lang="de-DE" sz="1200" dirty="0"/>
+                        <a:t>16 GB</a:t>
+                      </a:r>
+                    </a:p>
+                  </a:txBody>
+                  <a:tcPr>
+                    <a:lnL w="12700" cmpd="sng">
+                      <a:noFill/>
+                    </a:lnL>
+                    <a:lnR w="12700" cmpd="sng">
+                      <a:noFill/>
+                    </a:lnR>
+                    <a:lnT w="12700" cmpd="sng">
+                      <a:noFill/>
+                    </a:lnT>
+                    <a:lnB w="12700" cmpd="sng">
+                      <a:noFill/>
+                    </a:lnB>
+                    <a:lnTlToBr w="12700" cmpd="sng">
+                      <a:noFill/>
+                      <a:prstDash val="solid"/>
+                    </a:lnTlToBr>
+                    <a:lnBlToTr w="12700" cmpd="sng">
+                      <a:noFill/>
+                      <a:prstDash val="solid"/>
+                    </a:lnBlToTr>
+                  </a:tcPr>
+                </a:tc>
+                <a:extLst>
+                  <a:ext uri="{0D108BD9-81ED-4DB2-BD59-A6C34878D82A}">
+                    <a16:rowId xmlns:a16="http://schemas.microsoft.com/office/drawing/2014/main" val="55587032"/>
+                  </a:ext>
+                </a:extLst>
+              </a:tr>
+              <a:tr h="288000">
+                <a:tc>
+                  <a:txBody>
+                    <a:bodyPr/>
+                    <a:lstStyle/>
+                    <a:p>
+                      <a:r>
+                        <a:rPr lang="de-DE" sz="1200" dirty="0"/>
+                        <a:t>RAM SQL Server</a:t>
+                      </a:r>
+                    </a:p>
+                  </a:txBody>
+                  <a:tcPr>
+                    <a:lnL w="12700" cmpd="sng">
+                      <a:noFill/>
+                    </a:lnL>
+                    <a:lnR w="12700" cmpd="sng">
+                      <a:noFill/>
+                    </a:lnR>
+                    <a:lnT w="12700" cmpd="sng">
+                      <a:noFill/>
+                    </a:lnT>
+                    <a:lnB w="12700" cmpd="sng">
+                      <a:noFill/>
+                    </a:lnB>
+                    <a:lnTlToBr w="12700" cmpd="sng">
+                      <a:noFill/>
+                      <a:prstDash val="solid"/>
+                    </a:lnTlToBr>
+                    <a:lnBlToTr w="12700" cmpd="sng">
+                      <a:noFill/>
+                      <a:prstDash val="solid"/>
+                    </a:lnBlToTr>
+                  </a:tcPr>
+                </a:tc>
+                <a:tc>
+                  <a:txBody>
+                    <a:bodyPr/>
+                    <a:lstStyle/>
+                    <a:p>
+                      <a:r>
+                        <a:rPr lang="de-DE" sz="1200" dirty="0"/>
+                        <a:t>4 GB</a:t>
+                      </a:r>
+                    </a:p>
+                  </a:txBody>
+                  <a:tcPr>
+                    <a:lnL w="12700" cmpd="sng">
+                      <a:noFill/>
+                    </a:lnL>
+                    <a:lnR w="12700" cmpd="sng">
+                      <a:noFill/>
+                    </a:lnR>
+                    <a:lnT w="12700" cmpd="sng">
+                      <a:noFill/>
+                    </a:lnT>
+                    <a:lnB w="12700" cmpd="sng">
+                      <a:noFill/>
+                    </a:lnB>
+                    <a:lnTlToBr w="12700" cmpd="sng">
+                      <a:noFill/>
+                      <a:prstDash val="solid"/>
+                    </a:lnTlToBr>
+                    <a:lnBlToTr w="12700" cmpd="sng">
+                      <a:noFill/>
+                      <a:prstDash val="solid"/>
+                    </a:lnBlToTr>
+                  </a:tcPr>
+                </a:tc>
+                <a:tc>
+                  <a:txBody>
+                    <a:bodyPr/>
+                    <a:lstStyle/>
+                    <a:p>
+                      <a:r>
+                        <a:rPr lang="de-DE" sz="1200" dirty="0"/>
+                        <a:t>16 GM</a:t>
+                      </a:r>
+                    </a:p>
+                  </a:txBody>
+                  <a:tcPr>
+                    <a:lnL w="12700" cmpd="sng">
+                      <a:noFill/>
+                    </a:lnL>
+                    <a:lnR w="12700" cmpd="sng">
+                      <a:noFill/>
+                    </a:lnR>
+                    <a:lnT w="12700" cmpd="sng">
+                      <a:noFill/>
+                    </a:lnT>
+                    <a:lnB w="12700" cmpd="sng">
+                      <a:noFill/>
+                    </a:lnB>
+                    <a:lnTlToBr w="12700" cmpd="sng">
+                      <a:noFill/>
+                      <a:prstDash val="solid"/>
+                    </a:lnTlToBr>
+                    <a:lnBlToTr w="12700" cmpd="sng">
+                      <a:noFill/>
+                      <a:prstDash val="solid"/>
+                    </a:lnBlToTr>
+                  </a:tcPr>
+                </a:tc>
+                <a:tc>
+                  <a:txBody>
+                    <a:bodyPr/>
+                    <a:lstStyle/>
+                    <a:p>
+                      <a:r>
+                        <a:rPr lang="de-DE" sz="1200" dirty="0"/>
+                        <a:t>64 GB</a:t>
+                      </a:r>
+                    </a:p>
+                  </a:txBody>
+                  <a:tcPr>
+                    <a:lnL w="12700" cmpd="sng">
+                      <a:noFill/>
+                    </a:lnL>
+                    <a:lnR w="12700" cmpd="sng">
+                      <a:noFill/>
+                    </a:lnR>
+                    <a:lnT w="12700" cmpd="sng">
+                      <a:noFill/>
+                    </a:lnT>
+                    <a:lnB w="12700" cmpd="sng">
+                      <a:noFill/>
+                    </a:lnB>
+                    <a:lnTlToBr w="12700" cmpd="sng">
+                      <a:noFill/>
+                      <a:prstDash val="solid"/>
+                    </a:lnTlToBr>
+                    <a:lnBlToTr w="12700" cmpd="sng">
+                      <a:noFill/>
+                      <a:prstDash val="solid"/>
+                    </a:lnBlToTr>
+                  </a:tcPr>
+                </a:tc>
+                <a:extLst>
+                  <a:ext uri="{0D108BD9-81ED-4DB2-BD59-A6C34878D82A}">
+                    <a16:rowId xmlns:a16="http://schemas.microsoft.com/office/drawing/2014/main" val="4078368998"/>
+                  </a:ext>
+                </a:extLst>
+              </a:tr>
+              <a:tr h="288000">
+                <a:tc>
+                  <a:txBody>
+                    <a:bodyPr/>
+                    <a:lstStyle/>
+                    <a:p>
+                      <a:r>
+                        <a:rPr lang="de-DE" sz="1200" dirty="0"/>
+                        <a:t>Prozessorkerne</a:t>
+                      </a:r>
+                    </a:p>
+                  </a:txBody>
+                  <a:tcPr>
+                    <a:lnL w="12700" cmpd="sng">
+                      <a:noFill/>
+                    </a:lnL>
+                    <a:lnR w="12700" cmpd="sng">
+                      <a:noFill/>
+                    </a:lnR>
+                    <a:lnT w="12700" cmpd="sng">
+                      <a:noFill/>
+                    </a:lnT>
+                    <a:lnB w="12700" cmpd="sng">
+                      <a:noFill/>
+                    </a:lnB>
+                    <a:lnTlToBr w="12700" cmpd="sng">
+                      <a:noFill/>
+                      <a:prstDash val="solid"/>
+                    </a:lnTlToBr>
+                    <a:lnBlToTr w="12700" cmpd="sng">
+                      <a:noFill/>
+                      <a:prstDash val="solid"/>
+                    </a:lnBlToTr>
+                  </a:tcPr>
+                </a:tc>
+                <a:tc>
+                  <a:txBody>
+                    <a:bodyPr/>
+                    <a:lstStyle/>
+                    <a:p>
+                      <a:r>
+                        <a:rPr lang="de-DE" sz="1200" dirty="0"/>
+                        <a:t>4</a:t>
+                      </a:r>
+                    </a:p>
+                  </a:txBody>
+                  <a:tcPr>
+                    <a:lnL w="12700" cmpd="sng">
+                      <a:noFill/>
+                    </a:lnL>
+                    <a:lnR w="12700" cmpd="sng">
+                      <a:noFill/>
+                    </a:lnR>
+                    <a:lnT w="12700" cmpd="sng">
+                      <a:noFill/>
+                    </a:lnT>
+                    <a:lnB w="12700" cmpd="sng">
+                      <a:noFill/>
+                    </a:lnB>
+                    <a:lnTlToBr w="12700" cmpd="sng">
+                      <a:noFill/>
+                      <a:prstDash val="solid"/>
+                    </a:lnTlToBr>
+                    <a:lnBlToTr w="12700" cmpd="sng">
+                      <a:noFill/>
+                      <a:prstDash val="solid"/>
+                    </a:lnBlToTr>
+                  </a:tcPr>
+                </a:tc>
+                <a:tc>
+                  <a:txBody>
+                    <a:bodyPr/>
+                    <a:lstStyle/>
+                    <a:p>
+                      <a:r>
+                        <a:rPr lang="de-DE" sz="1200" dirty="0"/>
+                        <a:t>8</a:t>
+                      </a:r>
+                    </a:p>
+                  </a:txBody>
+                  <a:tcPr>
+                    <a:lnL w="12700" cmpd="sng">
+                      <a:noFill/>
+                    </a:lnL>
+                    <a:lnR w="12700" cmpd="sng">
+                      <a:noFill/>
+                    </a:lnR>
+                    <a:lnT w="12700" cmpd="sng">
+                      <a:noFill/>
+                    </a:lnT>
+                    <a:lnB w="12700" cmpd="sng">
+                      <a:noFill/>
+                    </a:lnB>
+                    <a:lnTlToBr w="12700" cmpd="sng">
+                      <a:noFill/>
+                      <a:prstDash val="solid"/>
+                    </a:lnTlToBr>
+                    <a:lnBlToTr w="12700" cmpd="sng">
+                      <a:noFill/>
+                      <a:prstDash val="solid"/>
+                    </a:lnBlToTr>
+                  </a:tcPr>
+                </a:tc>
+                <a:tc>
+                  <a:txBody>
+                    <a:bodyPr/>
+                    <a:lstStyle/>
+                    <a:p>
+                      <a:r>
+                        <a:rPr lang="de-DE" sz="1200" dirty="0"/>
+                        <a:t>16</a:t>
+                      </a:r>
+                    </a:p>
+                  </a:txBody>
+                  <a:tcPr>
+                    <a:lnL w="12700" cmpd="sng">
+                      <a:noFill/>
+                    </a:lnL>
+                    <a:lnR w="12700" cmpd="sng">
+                      <a:noFill/>
+                    </a:lnR>
+                    <a:lnT w="12700" cmpd="sng">
+                      <a:noFill/>
+                    </a:lnT>
+                    <a:lnB w="12700" cmpd="sng">
+                      <a:noFill/>
+                    </a:lnB>
+                    <a:lnTlToBr w="12700" cmpd="sng">
+                      <a:noFill/>
+                      <a:prstDash val="solid"/>
+                    </a:lnTlToBr>
+                    <a:lnBlToTr w="12700" cmpd="sng">
+                      <a:noFill/>
+                      <a:prstDash val="solid"/>
+                    </a:lnBlToTr>
+                  </a:tcPr>
+                </a:tc>
+                <a:extLst>
+                  <a:ext uri="{0D108BD9-81ED-4DB2-BD59-A6C34878D82A}">
+                    <a16:rowId xmlns:a16="http://schemas.microsoft.com/office/drawing/2014/main" val="1118511120"/>
+                  </a:ext>
+                </a:extLst>
+              </a:tr>
+              <a:tr h="288000">
+                <a:tc>
+                  <a:txBody>
+                    <a:bodyPr/>
+                    <a:lstStyle/>
+                    <a:p>
+                      <a:endParaRPr lang="de-DE" sz="1200" dirty="0"/>
+                    </a:p>
+                  </a:txBody>
+                  <a:tcPr>
+                    <a:lnL w="12700" cmpd="sng">
+                      <a:noFill/>
+                    </a:lnL>
+                    <a:lnR w="12700" cmpd="sng">
+                      <a:noFill/>
+                    </a:lnR>
+                    <a:lnT w="12700" cmpd="sng">
+                      <a:noFill/>
+                    </a:lnT>
+                    <a:lnB w="12700" cmpd="sng">
+                      <a:noFill/>
+                    </a:lnB>
+                    <a:lnTlToBr w="12700" cmpd="sng">
+                      <a:noFill/>
+                      <a:prstDash val="solid"/>
+                    </a:lnTlToBr>
+                    <a:lnBlToTr w="12700" cmpd="sng">
+                      <a:noFill/>
+                      <a:prstDash val="solid"/>
+                    </a:lnBlToTr>
+                  </a:tcPr>
+                </a:tc>
+                <a:tc>
+                  <a:txBody>
+                    <a:bodyPr/>
+                    <a:lstStyle/>
+                    <a:p>
+                      <a:endParaRPr lang="de-DE" sz="1200" dirty="0"/>
+                    </a:p>
+                  </a:txBody>
+                  <a:tcPr>
+                    <a:lnL w="12700" cmpd="sng">
+                      <a:noFill/>
+                    </a:lnL>
+                    <a:lnR w="12700" cmpd="sng">
+                      <a:noFill/>
+                    </a:lnR>
+                    <a:lnT w="12700" cmpd="sng">
+                      <a:noFill/>
+                    </a:lnT>
+                    <a:lnB w="12700" cmpd="sng">
+                      <a:noFill/>
+                    </a:lnB>
+                    <a:lnTlToBr w="12700" cmpd="sng">
+                      <a:noFill/>
+                      <a:prstDash val="solid"/>
+                    </a:lnTlToBr>
+                    <a:lnBlToTr w="12700" cmpd="sng">
+                      <a:noFill/>
+                      <a:prstDash val="solid"/>
+                    </a:lnBlToTr>
+                  </a:tcPr>
+                </a:tc>
+                <a:tc>
+                  <a:txBody>
+                    <a:bodyPr/>
+                    <a:lstStyle/>
+                    <a:p>
+                      <a:endParaRPr lang="de-DE" sz="1200" dirty="0"/>
+                    </a:p>
+                  </a:txBody>
+                  <a:tcPr>
+                    <a:lnL w="12700" cmpd="sng">
+                      <a:noFill/>
+                    </a:lnL>
+                    <a:lnR w="12700" cmpd="sng">
+                      <a:noFill/>
+                    </a:lnR>
+                    <a:lnT w="12700" cmpd="sng">
+                      <a:noFill/>
+                    </a:lnT>
+                    <a:lnB w="12700" cmpd="sng">
+                      <a:noFill/>
+                    </a:lnB>
+                    <a:lnTlToBr w="12700" cmpd="sng">
+                      <a:noFill/>
+                      <a:prstDash val="solid"/>
+                    </a:lnTlToBr>
+                    <a:lnBlToTr w="12700" cmpd="sng">
+                      <a:noFill/>
+                      <a:prstDash val="solid"/>
+                    </a:lnBlToTr>
+                  </a:tcPr>
+                </a:tc>
+                <a:tc>
+                  <a:txBody>
+                    <a:bodyPr/>
+                    <a:lstStyle/>
+                    <a:p>
+                      <a:endParaRPr lang="de-DE" sz="1200" dirty="0"/>
+                    </a:p>
+                  </a:txBody>
+                  <a:tcPr>
+                    <a:lnL w="12700" cmpd="sng">
+                      <a:noFill/>
+                    </a:lnL>
+                    <a:lnR w="12700" cmpd="sng">
+                      <a:noFill/>
+                    </a:lnR>
+                    <a:lnT w="12700" cmpd="sng">
+                      <a:noFill/>
+                    </a:lnT>
+                    <a:lnB w="12700" cmpd="sng">
+                      <a:noFill/>
+                    </a:lnB>
+                    <a:lnTlToBr w="12700" cmpd="sng">
+                      <a:noFill/>
+                      <a:prstDash val="solid"/>
+                    </a:lnTlToBr>
+                    <a:lnBlToTr w="12700" cmpd="sng">
+                      <a:noFill/>
+                      <a:prstDash val="solid"/>
+                    </a:lnBlToTr>
+                  </a:tcPr>
+                </a:tc>
+                <a:extLst>
+                  <a:ext uri="{0D108BD9-81ED-4DB2-BD59-A6C34878D82A}">
+                    <a16:rowId xmlns:a16="http://schemas.microsoft.com/office/drawing/2014/main" val="3838972618"/>
+                  </a:ext>
+                </a:extLst>
+              </a:tr>
+              <a:tr h="288000">
+                <a:tc>
+                  <a:txBody>
+                    <a:bodyPr/>
+                    <a:lstStyle/>
+                    <a:p>
+                      <a:endParaRPr lang="de-DE" sz="1200" dirty="0"/>
+                    </a:p>
+                  </a:txBody>
+                  <a:tcPr>
+                    <a:lnL w="12700" cmpd="sng">
+                      <a:noFill/>
+                    </a:lnL>
+                    <a:lnR w="12700" cmpd="sng">
+                      <a:noFill/>
+                    </a:lnR>
+                    <a:lnT w="12700" cmpd="sng">
+                      <a:noFill/>
+                    </a:lnT>
+                    <a:lnB w="12700" cmpd="sng">
+                      <a:noFill/>
+                    </a:lnB>
+                    <a:lnTlToBr w="12700" cmpd="sng">
+                      <a:noFill/>
+                      <a:prstDash val="solid"/>
+                    </a:lnTlToBr>
+                    <a:lnBlToTr w="12700" cmpd="sng">
+                      <a:noFill/>
+                      <a:prstDash val="solid"/>
+                    </a:lnBlToTr>
+                  </a:tcPr>
+                </a:tc>
+                <a:tc>
+                  <a:txBody>
+                    <a:bodyPr/>
+                    <a:lstStyle/>
+                    <a:p>
+                      <a:endParaRPr lang="de-DE" sz="1200" dirty="0"/>
+                    </a:p>
+                  </a:txBody>
+                  <a:tcPr>
+                    <a:lnL w="12700" cmpd="sng">
+                      <a:noFill/>
+                    </a:lnL>
+                    <a:lnR w="12700" cmpd="sng">
+                      <a:noFill/>
+                    </a:lnR>
+                    <a:lnT w="12700" cmpd="sng">
+                      <a:noFill/>
+                    </a:lnT>
+                    <a:lnB w="12700" cmpd="sng">
+                      <a:noFill/>
+                    </a:lnB>
+                    <a:lnTlToBr w="12700" cmpd="sng">
+                      <a:noFill/>
+                      <a:prstDash val="solid"/>
+                    </a:lnTlToBr>
+                    <a:lnBlToTr w="12700" cmpd="sng">
+                      <a:noFill/>
+                      <a:prstDash val="solid"/>
+                    </a:lnBlToTr>
+                  </a:tcPr>
+                </a:tc>
+                <a:tc>
+                  <a:txBody>
+                    <a:bodyPr/>
+                    <a:lstStyle/>
+                    <a:p>
+                      <a:endParaRPr lang="de-DE" sz="1200" dirty="0"/>
+                    </a:p>
+                  </a:txBody>
+                  <a:tcPr>
+                    <a:lnL w="12700" cmpd="sng">
+                      <a:noFill/>
+                    </a:lnL>
+                    <a:lnR w="12700" cmpd="sng">
+                      <a:noFill/>
+                    </a:lnR>
+                    <a:lnT w="12700" cmpd="sng">
+                      <a:noFill/>
+                    </a:lnT>
+                    <a:lnB w="12700" cmpd="sng">
+                      <a:noFill/>
+                    </a:lnB>
+                    <a:lnTlToBr w="12700" cmpd="sng">
+                      <a:noFill/>
+                      <a:prstDash val="solid"/>
+                    </a:lnTlToBr>
+                    <a:lnBlToTr w="12700" cmpd="sng">
+                      <a:noFill/>
+                      <a:prstDash val="solid"/>
+                    </a:lnBlToTr>
+                  </a:tcPr>
+                </a:tc>
+                <a:tc>
+                  <a:txBody>
+                    <a:bodyPr/>
+                    <a:lstStyle/>
+                    <a:p>
+                      <a:endParaRPr lang="de-DE" sz="1200" dirty="0"/>
+                    </a:p>
+                  </a:txBody>
+                  <a:tcPr>
+                    <a:lnL w="12700" cmpd="sng">
+                      <a:noFill/>
+                    </a:lnL>
+                    <a:lnR w="12700" cmpd="sng">
+                      <a:noFill/>
+                    </a:lnR>
+                    <a:lnT w="12700" cmpd="sng">
+                      <a:noFill/>
+                    </a:lnT>
+                    <a:lnB w="12700" cmpd="sng">
+                      <a:noFill/>
+                    </a:lnB>
+                    <a:lnTlToBr w="12700" cmpd="sng">
+                      <a:noFill/>
+                      <a:prstDash val="solid"/>
+                    </a:lnTlToBr>
+                    <a:lnBlToTr w="12700" cmpd="sng">
+                      <a:noFill/>
+                      <a:prstDash val="solid"/>
+                    </a:lnBlToTr>
+                  </a:tcPr>
+                </a:tc>
+                <a:extLst>
+                  <a:ext uri="{0D108BD9-81ED-4DB2-BD59-A6C34878D82A}">
+                    <a16:rowId xmlns:a16="http://schemas.microsoft.com/office/drawing/2014/main" val="1918955560"/>
+                  </a:ext>
+                </a:extLst>
+              </a:tr>
+            </a:tbl>
+          </a:graphicData>
+        </a:graphic>
+      </p:graphicFrame>
+      <p:sp>
+        <p:nvSpPr>
+          <p:cNvPr id="4" name="Rechteck 3">
+            <a:extLst>
+              <a:ext uri="{FF2B5EF4-FFF2-40B4-BE49-F238E27FC236}">
+                <a16:creationId xmlns:a16="http://schemas.microsoft.com/office/drawing/2014/main" id="{CEF3E6E6-36F3-4505-90D8-9E6EF5B879C0}"/>
+              </a:ext>
+            </a:extLst>
+          </p:cNvPr>
+          <p:cNvSpPr/>
+          <p:nvPr/>
+        </p:nvSpPr>
+        <p:spPr>
+          <a:xfrm>
+            <a:off x="299490" y="7833320"/>
+            <a:ext cx="4855832" cy="461665"/>
+          </a:xfrm>
+          <a:prstGeom prst="rect">
+            <a:avLst/>
+          </a:prstGeom>
+        </p:spPr>
+        <p:txBody>
+          <a:bodyPr wrap="square">
+            <a:spAutoFit/>
+          </a:bodyPr>
+          <a:lstStyle/>
+          <a:p>
+            <a:r>
+              <a:rPr lang="de-DE" sz="1200" b="1" dirty="0">
+                <a:solidFill>
+                  <a:schemeClr val="tx1">
+                    <a:lumMod val="85000"/>
+                    <a:lumOff val="15000"/>
+                  </a:schemeClr>
+                </a:solidFill>
+              </a:rPr>
+              <a:t>Individuell abgeschätzt werden Systemumgebungen mit </a:t>
+            </a:r>
+          </a:p>
+          <a:p>
+            <a:pPr marL="800100" lvl="1" indent="-342900">
+              <a:buFont typeface="Arial" pitchFamily="34" charset="0"/>
+              <a:buChar char="•"/>
+            </a:pPr>
+            <a:r>
+              <a:rPr lang="de-DE" sz="1200" dirty="0">
+                <a:solidFill>
+                  <a:schemeClr val="tx1">
+                    <a:lumMod val="85000"/>
+                    <a:lumOff val="15000"/>
+                  </a:schemeClr>
+                </a:solidFill>
+              </a:rPr>
+              <a:t>Mehr als 200 User</a:t>
+            </a:r>
+            <a:endParaRPr lang="de-DE" sz="800" dirty="0">
+              <a:solidFill>
+                <a:schemeClr val="tx1">
+                  <a:lumMod val="85000"/>
+                  <a:lumOff val="15000"/>
+                </a:schemeClr>
+              </a:solidFill>
+            </a:endParaRPr>
+          </a:p>
+        </p:txBody>
+      </p:sp>
+    </p:spTree>
+    <p:extLst>
+      <p:ext uri="{BB962C8B-B14F-4D97-AF65-F5344CB8AC3E}">
+        <p14:creationId xmlns:p14="http://schemas.microsoft.com/office/powerpoint/2010/main" val="1846729365"/>
       </p:ext>
     </p:extLst>
   </p:cSld>

--- a/3a. DataFactory - Installation and Update/DataFactoy Systemvoraussetzungen.pptx
+++ b/3a. DataFactory - Installation and Update/DataFactoy Systemvoraussetzungen.pptx
@@ -305,7 +305,7 @@
             <a:fld id="{4A822124-BDB8-4DC5-8F41-BBB4CF6022AF}" type="datetimeFigureOut">
               <a:rPr lang="de-DE" smtClean="0"/>
               <a:pPr/>
-              <a:t>21.09.2018</a:t>
+              <a:t>24.10.2018</a:t>
             </a:fld>
             <a:endParaRPr lang="de-DE" dirty="0"/>
           </a:p>
@@ -470,7 +470,7 @@
             <a:fld id="{4A822124-BDB8-4DC5-8F41-BBB4CF6022AF}" type="datetimeFigureOut">
               <a:rPr lang="de-DE" smtClean="0"/>
               <a:pPr/>
-              <a:t>21.09.2018</a:t>
+              <a:t>24.10.2018</a:t>
             </a:fld>
             <a:endParaRPr lang="de-DE" dirty="0"/>
           </a:p>
@@ -645,7 +645,7 @@
             <a:fld id="{4A822124-BDB8-4DC5-8F41-BBB4CF6022AF}" type="datetimeFigureOut">
               <a:rPr lang="de-DE" smtClean="0"/>
               <a:pPr/>
-              <a:t>21.09.2018</a:t>
+              <a:t>24.10.2018</a:t>
             </a:fld>
             <a:endParaRPr lang="de-DE" dirty="0"/>
           </a:p>
@@ -810,7 +810,7 @@
             <a:fld id="{4A822124-BDB8-4DC5-8F41-BBB4CF6022AF}" type="datetimeFigureOut">
               <a:rPr lang="de-DE" smtClean="0"/>
               <a:pPr/>
-              <a:t>21.09.2018</a:t>
+              <a:t>24.10.2018</a:t>
             </a:fld>
             <a:endParaRPr lang="de-DE" dirty="0"/>
           </a:p>
@@ -1052,7 +1052,7 @@
             <a:fld id="{4A822124-BDB8-4DC5-8F41-BBB4CF6022AF}" type="datetimeFigureOut">
               <a:rPr lang="de-DE" smtClean="0"/>
               <a:pPr/>
-              <a:t>21.09.2018</a:t>
+              <a:t>24.10.2018</a:t>
             </a:fld>
             <a:endParaRPr lang="de-DE" dirty="0"/>
           </a:p>
@@ -1334,7 +1334,7 @@
             <a:fld id="{4A822124-BDB8-4DC5-8F41-BBB4CF6022AF}" type="datetimeFigureOut">
               <a:rPr lang="de-DE" smtClean="0"/>
               <a:pPr/>
-              <a:t>21.09.2018</a:t>
+              <a:t>24.10.2018</a:t>
             </a:fld>
             <a:endParaRPr lang="de-DE" dirty="0"/>
           </a:p>
@@ -1755,7 +1755,7 @@
             <a:fld id="{4A822124-BDB8-4DC5-8F41-BBB4CF6022AF}" type="datetimeFigureOut">
               <a:rPr lang="de-DE" smtClean="0"/>
               <a:pPr/>
-              <a:t>21.09.2018</a:t>
+              <a:t>24.10.2018</a:t>
             </a:fld>
             <a:endParaRPr lang="de-DE" dirty="0"/>
           </a:p>
@@ -1869,7 +1869,7 @@
             <a:fld id="{4A822124-BDB8-4DC5-8F41-BBB4CF6022AF}" type="datetimeFigureOut">
               <a:rPr lang="de-DE" smtClean="0"/>
               <a:pPr/>
-              <a:t>21.09.2018</a:t>
+              <a:t>24.10.2018</a:t>
             </a:fld>
             <a:endParaRPr lang="de-DE" dirty="0"/>
           </a:p>
@@ -1961,7 +1961,7 @@
             <a:fld id="{4A822124-BDB8-4DC5-8F41-BBB4CF6022AF}" type="datetimeFigureOut">
               <a:rPr lang="de-DE" smtClean="0"/>
               <a:pPr/>
-              <a:t>21.09.2018</a:t>
+              <a:t>24.10.2018</a:t>
             </a:fld>
             <a:endParaRPr lang="de-DE" dirty="0"/>
           </a:p>
@@ -2233,7 +2233,7 @@
             <a:fld id="{4A822124-BDB8-4DC5-8F41-BBB4CF6022AF}" type="datetimeFigureOut">
               <a:rPr lang="de-DE" smtClean="0"/>
               <a:pPr/>
-              <a:t>21.09.2018</a:t>
+              <a:t>24.10.2018</a:t>
             </a:fld>
             <a:endParaRPr lang="de-DE" dirty="0"/>
           </a:p>
@@ -2482,7 +2482,7 @@
             <a:fld id="{4A822124-BDB8-4DC5-8F41-BBB4CF6022AF}" type="datetimeFigureOut">
               <a:rPr lang="de-DE" smtClean="0"/>
               <a:pPr/>
-              <a:t>21.09.2018</a:t>
+              <a:t>24.10.2018</a:t>
             </a:fld>
             <a:endParaRPr lang="de-DE" dirty="0"/>
           </a:p>
@@ -2690,7 +2690,7 @@
             <a:fld id="{4A822124-BDB8-4DC5-8F41-BBB4CF6022AF}" type="datetimeFigureOut">
               <a:rPr lang="de-DE" smtClean="0"/>
               <a:pPr/>
-              <a:t>21.09.2018</a:t>
+              <a:t>24.10.2018</a:t>
             </a:fld>
             <a:endParaRPr lang="de-DE" dirty="0"/>
           </a:p>
@@ -3688,7 +3688,7 @@
         <p:spPr>
           <a:xfrm>
             <a:off x="244976" y="1140824"/>
-            <a:ext cx="6120680" cy="8402300"/>
+            <a:ext cx="6120680" cy="5201424"/>
           </a:xfrm>
           <a:prstGeom prst="rect">
             <a:avLst/>
@@ -3894,16 +3894,10 @@
                   </a:schemeClr>
                 </a:solidFill>
               </a:rPr>
-              <a:t>Empfehlung: Eigener virtueller DataFactory Server als Applikations- und Datenbankserver</a:t>
-            </a:r>
-          </a:p>
-          <a:p>
-            <a:pPr marL="800100" lvl="1" indent="-342900">
-              <a:buFont typeface="Arial" pitchFamily="34" charset="0"/>
-              <a:buChar char="•"/>
-            </a:pPr>
-            <a:r>
-              <a:rPr lang="de-DE" sz="1200" dirty="0">
+              <a:t>Admin Rechte auf dem SQL Server für die Nutzung von SQL Agent, SQL Profiler, SQL Debugger, Backup bei Projekten vom Typ „Mittel“ und </a:t>
+            </a:r>
+            <a:r>
+              <a:rPr lang="de-DE" sz="1200">
                 <a:solidFill>
                   <a:schemeClr val="tx1">
                     <a:lumMod val="85000"/>
@@ -3911,352 +3905,7 @@
                   </a:schemeClr>
                 </a:solidFill>
               </a:rPr>
-              <a:t>Windows 2012 R2 Server oder höher</a:t>
-            </a:r>
-          </a:p>
-          <a:p>
-            <a:pPr marL="800100" lvl="1" indent="-342900">
-              <a:buFont typeface="Arial" pitchFamily="34" charset="0"/>
-              <a:buChar char="•"/>
-            </a:pPr>
-            <a:r>
-              <a:rPr lang="de-DE" sz="1200" dirty="0">
-                <a:solidFill>
-                  <a:schemeClr val="tx1">
-                    <a:lumMod val="85000"/>
-                    <a:lumOff val="15000"/>
-                  </a:schemeClr>
-                </a:solidFill>
-              </a:rPr>
-              <a:t>SQL Server 2012 oder höher, Standardlizenz </a:t>
-            </a:r>
-          </a:p>
-          <a:p>
-            <a:pPr marL="800100" lvl="1" indent="-342900">
-              <a:buFont typeface="Arial" pitchFamily="34" charset="0"/>
-              <a:buChar char="•"/>
-            </a:pPr>
-            <a:r>
-              <a:rPr lang="de-DE" sz="1200" dirty="0">
-                <a:solidFill>
-                  <a:schemeClr val="tx1">
-                    <a:lumMod val="85000"/>
-                    <a:lumOff val="15000"/>
-                  </a:schemeClr>
-                </a:solidFill>
-              </a:rPr>
-              <a:t>Empfehlung bei Lizenzverfügbarkeit: SQL Server 2017 Standard incl. SSAS </a:t>
-            </a:r>
-            <a:r>
-              <a:rPr lang="de-DE" sz="1200" dirty="0" err="1">
-                <a:solidFill>
-                  <a:schemeClr val="tx1">
-                    <a:lumMod val="85000"/>
-                    <a:lumOff val="15000"/>
-                  </a:schemeClr>
-                </a:solidFill>
-              </a:rPr>
-              <a:t>Tabular</a:t>
-            </a:r>
-            <a:endParaRPr lang="de-DE" sz="1200" dirty="0">
-              <a:solidFill>
-                <a:schemeClr val="tx1">
-                  <a:lumMod val="85000"/>
-                  <a:lumOff val="15000"/>
-                </a:schemeClr>
-              </a:solidFill>
-            </a:endParaRPr>
-          </a:p>
-          <a:p>
-            <a:pPr marL="800100" lvl="1" indent="-342900">
-              <a:buFont typeface="Arial" pitchFamily="34" charset="0"/>
-              <a:buChar char="•"/>
-            </a:pPr>
-            <a:r>
-              <a:rPr lang="de-DE" sz="1200" dirty="0">
-                <a:solidFill>
-                  <a:schemeClr val="tx1">
-                    <a:lumMod val="85000"/>
-                    <a:lumOff val="15000"/>
-                  </a:schemeClr>
-                </a:solidFill>
-              </a:rPr>
-              <a:t>Admin Rechte auf dem SQL Server für die Nutzung von SQL Agent, SQL Profiler, SQL Debugger, Backup</a:t>
-            </a:r>
-          </a:p>
-          <a:p>
-            <a:pPr marL="800100" lvl="1" indent="-342900">
-              <a:buFont typeface="Arial" pitchFamily="34" charset="0"/>
-              <a:buChar char="•"/>
-            </a:pPr>
-            <a:r>
-              <a:rPr lang="de-DE" sz="1200" dirty="0">
-                <a:solidFill>
-                  <a:schemeClr val="tx1">
-                    <a:lumMod val="85000"/>
-                    <a:lumOff val="15000"/>
-                  </a:schemeClr>
-                </a:solidFill>
-              </a:rPr>
-              <a:t>Ggf. eigene SQL Server Instanz falls zentraler SQL Server gewünscht</a:t>
-            </a:r>
-          </a:p>
-          <a:p>
-            <a:pPr marL="800100" lvl="1" indent="-342900">
-              <a:buFont typeface="Arial" pitchFamily="34" charset="0"/>
-              <a:buChar char="•"/>
-            </a:pPr>
-            <a:r>
-              <a:rPr lang="de-DE" sz="1200" dirty="0">
-                <a:solidFill>
-                  <a:schemeClr val="tx1">
-                    <a:lumMod val="85000"/>
-                    <a:lumOff val="15000"/>
-                  </a:schemeClr>
-                </a:solidFill>
-              </a:rPr>
-              <a:t>Freigabeordner im Netzwerk für Auslieferung Anwenderunterlagen</a:t>
-            </a:r>
-          </a:p>
-          <a:p>
-            <a:pPr marL="800100" lvl="1" indent="-342900">
-              <a:buFont typeface="Arial" pitchFamily="34" charset="0"/>
-              <a:buChar char="•"/>
-            </a:pPr>
-            <a:r>
-              <a:rPr lang="de-DE" sz="1200" b="1" dirty="0">
-                <a:solidFill>
-                  <a:schemeClr val="tx1">
-                    <a:lumMod val="85000"/>
-                    <a:lumOff val="15000"/>
-                  </a:schemeClr>
-                </a:solidFill>
-              </a:rPr>
-              <a:t>Empfehlung: SSD Festplatten </a:t>
-            </a:r>
-            <a:r>
-              <a:rPr lang="de-DE" sz="1200" dirty="0">
-                <a:solidFill>
-                  <a:schemeClr val="tx1">
-                    <a:lumMod val="85000"/>
-                    <a:lumOff val="15000"/>
-                  </a:schemeClr>
-                </a:solidFill>
-              </a:rPr>
-              <a:t>für Datenlaufwerke des Servers</a:t>
-            </a:r>
-          </a:p>
-          <a:p>
-            <a:pPr marL="800100" lvl="1" indent="-342900">
-              <a:buFont typeface="Arial" pitchFamily="34" charset="0"/>
-              <a:buChar char="•"/>
-            </a:pPr>
-            <a:r>
-              <a:rPr lang="de-DE" sz="1200" dirty="0">
-                <a:solidFill>
-                  <a:schemeClr val="tx1">
-                    <a:lumMod val="85000"/>
-                    <a:lumOff val="15000"/>
-                  </a:schemeClr>
-                </a:solidFill>
-              </a:rPr>
-              <a:t>Empfehlung: 16 GB RAM</a:t>
-            </a:r>
-          </a:p>
-          <a:p>
-            <a:pPr marL="800100" lvl="1" indent="-342900">
-              <a:buFont typeface="Arial" pitchFamily="34" charset="0"/>
-              <a:buChar char="•"/>
-            </a:pPr>
-            <a:r>
-              <a:rPr lang="de-DE" sz="1200" dirty="0">
-                <a:solidFill>
-                  <a:schemeClr val="tx1">
-                    <a:lumMod val="85000"/>
-                    <a:lumOff val="15000"/>
-                  </a:schemeClr>
-                </a:solidFill>
-              </a:rPr>
-              <a:t>Empfehlung: Xeon Prozessor 4 Cores</a:t>
-            </a:r>
-          </a:p>
-          <a:p>
-            <a:pPr marL="800100" lvl="1" indent="-342900">
-              <a:buFont typeface="Arial" pitchFamily="34" charset="0"/>
-              <a:buChar char="•"/>
-            </a:pPr>
-            <a:r>
-              <a:rPr lang="de-DE" sz="1200" dirty="0">
-                <a:solidFill>
-                  <a:schemeClr val="tx1">
-                    <a:lumMod val="85000"/>
-                    <a:lumOff val="15000"/>
-                  </a:schemeClr>
-                </a:solidFill>
-              </a:rPr>
-              <a:t>Speicherplatz </a:t>
-            </a:r>
-            <a:r>
-              <a:rPr lang="de-DE" sz="1200" dirty="0" err="1">
-                <a:solidFill>
-                  <a:schemeClr val="tx1">
-                    <a:lumMod val="85000"/>
-                    <a:lumOff val="15000"/>
-                  </a:schemeClr>
-                </a:solidFill>
-              </a:rPr>
-              <a:t>tempdb</a:t>
-            </a:r>
-            <a:r>
-              <a:rPr lang="de-DE" sz="1200" dirty="0">
-                <a:solidFill>
-                  <a:schemeClr val="tx1">
-                    <a:lumMod val="85000"/>
-                    <a:lumOff val="15000"/>
-                  </a:schemeClr>
-                </a:solidFill>
-              </a:rPr>
-              <a:t>: 50 GB</a:t>
-            </a:r>
-          </a:p>
-          <a:p>
-            <a:pPr marL="800100" lvl="1" indent="-342900">
-              <a:buFont typeface="Arial" pitchFamily="34" charset="0"/>
-              <a:buChar char="•"/>
-            </a:pPr>
-            <a:r>
-              <a:rPr lang="de-DE" sz="1200" dirty="0">
-                <a:solidFill>
-                  <a:schemeClr val="tx1">
-                    <a:lumMod val="85000"/>
-                    <a:lumOff val="15000"/>
-                  </a:schemeClr>
-                </a:solidFill>
-              </a:rPr>
-              <a:t>Speicherplatz Datenfiles: 100 GB</a:t>
-            </a:r>
-          </a:p>
-          <a:p>
-            <a:pPr marL="800100" lvl="1" indent="-342900">
-              <a:buFont typeface="Arial" pitchFamily="34" charset="0"/>
-              <a:buChar char="•"/>
-            </a:pPr>
-            <a:r>
-              <a:rPr lang="de-DE" sz="1200" dirty="0">
-                <a:solidFill>
-                  <a:schemeClr val="tx1">
-                    <a:lumMod val="85000"/>
-                    <a:lumOff val="15000"/>
-                  </a:schemeClr>
-                </a:solidFill>
-              </a:rPr>
-              <a:t>Speicherplatz Logfiles: 100 GB</a:t>
-            </a:r>
-          </a:p>
-          <a:p>
-            <a:pPr marL="800100" lvl="1" indent="-342900">
-              <a:buFont typeface="Arial" pitchFamily="34" charset="0"/>
-              <a:buChar char="•"/>
-            </a:pPr>
-            <a:r>
-              <a:rPr lang="de-DE" sz="1200" dirty="0">
-                <a:solidFill>
-                  <a:schemeClr val="tx1">
-                    <a:lumMod val="85000"/>
-                    <a:lumOff val="15000"/>
-                  </a:schemeClr>
-                </a:solidFill>
-              </a:rPr>
-              <a:t>Speicherplatz Backups auf NAS </a:t>
-            </a:r>
-            <a:r>
-              <a:rPr lang="de-DE" sz="1200" dirty="0" err="1">
-                <a:solidFill>
-                  <a:schemeClr val="tx1">
-                    <a:lumMod val="85000"/>
-                    <a:lumOff val="15000"/>
-                  </a:schemeClr>
-                </a:solidFill>
-              </a:rPr>
-              <a:t>o.ä</a:t>
-            </a:r>
-            <a:r>
-              <a:rPr lang="de-DE" sz="1200" dirty="0">
-                <a:solidFill>
-                  <a:schemeClr val="tx1">
-                    <a:lumMod val="85000"/>
-                    <a:lumOff val="15000"/>
-                  </a:schemeClr>
-                </a:solidFill>
-              </a:rPr>
-              <a:t>: 1 TB</a:t>
-            </a:r>
-          </a:p>
-          <a:p>
-            <a:pPr marL="800100" lvl="1" indent="-342900">
-              <a:buFont typeface="Arial" pitchFamily="34" charset="0"/>
-              <a:buChar char="•"/>
-            </a:pPr>
-            <a:r>
-              <a:rPr lang="de-DE" sz="1200" dirty="0">
-                <a:solidFill>
-                  <a:schemeClr val="tx1">
-                    <a:lumMod val="85000"/>
-                    <a:lumOff val="15000"/>
-                  </a:schemeClr>
-                </a:solidFill>
-              </a:rPr>
-              <a:t>Remotezugang auf Server per RDP </a:t>
-            </a:r>
-            <a:r>
-              <a:rPr lang="de-DE" sz="800" dirty="0">
-                <a:solidFill>
-                  <a:schemeClr val="tx1">
-                    <a:lumMod val="85000"/>
-                    <a:lumOff val="15000"/>
-                  </a:schemeClr>
-                </a:solidFill>
-              </a:rPr>
-              <a:t>(Zwischenablage aktiv) </a:t>
-            </a:r>
-            <a:r>
-              <a:rPr lang="de-DE" sz="1200" dirty="0">
-                <a:solidFill>
-                  <a:schemeClr val="tx1">
-                    <a:lumMod val="85000"/>
-                    <a:lumOff val="15000"/>
-                  </a:schemeClr>
-                </a:solidFill>
-              </a:rPr>
-              <a:t>über VPN</a:t>
-            </a:r>
-          </a:p>
-          <a:p>
-            <a:pPr marL="800100" lvl="1" indent="-342900">
-              <a:buFont typeface="Arial" pitchFamily="34" charset="0"/>
-              <a:buChar char="•"/>
-            </a:pPr>
-            <a:r>
-              <a:rPr lang="de-DE" sz="1200" dirty="0">
-                <a:solidFill>
-                  <a:schemeClr val="tx1">
-                    <a:lumMod val="85000"/>
-                    <a:lumOff val="15000"/>
-                  </a:schemeClr>
-                </a:solidFill>
-              </a:rPr>
-              <a:t>Internet auf Server verfügbar </a:t>
-            </a:r>
-            <a:r>
-              <a:rPr lang="de-DE" sz="800" dirty="0">
-                <a:solidFill>
-                  <a:schemeClr val="tx1">
-                    <a:lumMod val="85000"/>
-                    <a:lumOff val="15000"/>
-                  </a:schemeClr>
-                </a:solidFill>
-              </a:rPr>
-              <a:t>(für Monitoring und Updates)</a:t>
+              <a:t>„Groß“</a:t>
             </a:r>
           </a:p>
           <a:p>
@@ -4428,6 +4077,37 @@
             </a:r>
           </a:p>
           <a:p>
+            <a:pPr marL="800100" lvl="1" indent="-342900">
+              <a:buFont typeface="Arial" pitchFamily="34" charset="0"/>
+              <a:buChar char="•"/>
+            </a:pPr>
+            <a:r>
+              <a:rPr lang="de-DE" sz="1200" dirty="0">
+                <a:solidFill>
+                  <a:prstClr val="black">
+                    <a:lumMod val="85000"/>
+                    <a:lumOff val="15000"/>
+                  </a:prstClr>
+                </a:solidFill>
+              </a:rPr>
+              <a:t>Freigabeordner im Netzwerk für Auslieferung Anwenderunterlagen</a:t>
+            </a:r>
+          </a:p>
+          <a:p>
+            <a:pPr marL="800100" lvl="1" indent="-342900">
+              <a:buFont typeface="Arial" pitchFamily="34" charset="0"/>
+              <a:buChar char="•"/>
+            </a:pPr>
+            <a:endParaRPr lang="de-DE" sz="800" dirty="0">
+              <a:solidFill>
+                <a:schemeClr val="tx1">
+                  <a:lumMod val="85000"/>
+                  <a:lumOff val="15000"/>
+                </a:schemeClr>
+              </a:solidFill>
+            </a:endParaRPr>
+          </a:p>
+          <a:p>
             <a:pPr lvl="1"/>
             <a:endParaRPr lang="de-DE" sz="1200" dirty="0">
               <a:solidFill>
@@ -4670,51 +4350,6 @@
                 </a:schemeClr>
               </a:solidFill>
             </a:endParaRPr>
-          </a:p>
-          <a:p>
-            <a:pPr marL="342900" indent="-342900"/>
-            <a:r>
-              <a:rPr lang="de-DE" sz="1200" b="1" dirty="0">
-                <a:solidFill>
-                  <a:schemeClr val="tx1">
-                    <a:lumMod val="85000"/>
-                    <a:lumOff val="15000"/>
-                  </a:schemeClr>
-                </a:solidFill>
-              </a:rPr>
-              <a:t>Kalkulierte Systemgröße:</a:t>
-            </a:r>
-          </a:p>
-          <a:p>
-            <a:pPr marL="342900" indent="-342900"/>
-            <a:r>
-              <a:rPr lang="de-DE" sz="1200" dirty="0">
-                <a:solidFill>
-                  <a:schemeClr val="tx1">
-                    <a:lumMod val="85000"/>
-                    <a:lumOff val="15000"/>
-                  </a:schemeClr>
-                </a:solidFill>
-              </a:rPr>
-              <a:t>		</a:t>
-            </a:r>
-          </a:p>
-          <a:p>
-            <a:pPr marL="800100" lvl="1" indent="-342900">
-              <a:buFont typeface="Arial" pitchFamily="34" charset="0"/>
-              <a:buChar char="•"/>
-            </a:pPr>
-            <a:r>
-              <a:rPr lang="de-DE" sz="1200" dirty="0">
-                <a:solidFill>
-                  <a:schemeClr val="tx1">
-                    <a:lumMod val="85000"/>
-                    <a:lumOff val="15000"/>
-                  </a:schemeClr>
-                </a:solidFill>
-              </a:rPr>
-              <a:t>ca. 100 Anwender</a:t>
-            </a:r>
           </a:p>
           <a:p>
             <a:pPr marL="342900" indent="-342900"/>
@@ -5327,14 +4962,14 @@
           <p:nvPr>
             <p:extLst>
               <p:ext uri="{D42A27DB-BD31-4B8C-83A1-F6EECF244321}">
-                <p14:modId xmlns:p14="http://schemas.microsoft.com/office/powerpoint/2010/main" val="520153236"/>
+                <p14:modId xmlns:p14="http://schemas.microsoft.com/office/powerpoint/2010/main" val="3465810453"/>
               </p:ext>
             </p:extLst>
           </p:nvPr>
         </p:nvGraphicFramePr>
         <p:xfrm>
           <a:off x="309387" y="1352600"/>
-          <a:ext cx="6183784" cy="5829120"/>
+          <a:ext cx="6183784" cy="6194880"/>
         </p:xfrm>
         <a:graphic>
           <a:graphicData uri="http://schemas.openxmlformats.org/drawingml/2006/table">
@@ -5666,6 +5301,149 @@
                     <a:p>
                       <a:r>
                         <a:rPr lang="de-DE" sz="1200" dirty="0"/>
+                        <a:t>Betriebssystem</a:t>
+                      </a:r>
+                    </a:p>
+                  </a:txBody>
+                  <a:tcPr>
+                    <a:lnL w="12700" cmpd="sng">
+                      <a:noFill/>
+                    </a:lnL>
+                    <a:lnR w="12700" cmpd="sng">
+                      <a:noFill/>
+                    </a:lnR>
+                    <a:lnT w="12700" cmpd="sng">
+                      <a:noFill/>
+                    </a:lnT>
+                    <a:lnB w="12700" cmpd="sng">
+                      <a:noFill/>
+                    </a:lnB>
+                    <a:lnTlToBr w="12700" cmpd="sng">
+                      <a:noFill/>
+                      <a:prstDash val="solid"/>
+                    </a:lnTlToBr>
+                    <a:lnBlToTr w="12700" cmpd="sng">
+                      <a:noFill/>
+                      <a:prstDash val="solid"/>
+                    </a:lnBlToTr>
+                  </a:tcPr>
+                </a:tc>
+                <a:tc>
+                  <a:txBody>
+                    <a:bodyPr/>
+                    <a:lstStyle/>
+                    <a:p>
+                      <a:r>
+                        <a:rPr lang="de-DE" sz="1200" dirty="0"/>
+                        <a:t>Windows 2012 R2+</a:t>
+                      </a:r>
+                    </a:p>
+                  </a:txBody>
+                  <a:tcPr>
+                    <a:lnL w="12700" cmpd="sng">
+                      <a:noFill/>
+                    </a:lnL>
+                    <a:lnR w="12700" cmpd="sng">
+                      <a:noFill/>
+                    </a:lnR>
+                    <a:lnT w="12700" cmpd="sng">
+                      <a:noFill/>
+                    </a:lnT>
+                    <a:lnB w="12700" cmpd="sng">
+                      <a:noFill/>
+                    </a:lnB>
+                    <a:lnTlToBr w="12700" cmpd="sng">
+                      <a:noFill/>
+                      <a:prstDash val="solid"/>
+                    </a:lnTlToBr>
+                    <a:lnBlToTr w="12700" cmpd="sng">
+                      <a:noFill/>
+                      <a:prstDash val="solid"/>
+                    </a:lnBlToTr>
+                  </a:tcPr>
+                </a:tc>
+                <a:tc>
+                  <a:txBody>
+                    <a:bodyPr/>
+                    <a:lstStyle/>
+                    <a:p>
+                      <a:r>
+                        <a:rPr lang="de-DE" sz="1200" dirty="0"/>
+                        <a:t>Windows 2012 R2+</a:t>
+                      </a:r>
+                    </a:p>
+                  </a:txBody>
+                  <a:tcPr>
+                    <a:lnL w="12700" cmpd="sng">
+                      <a:noFill/>
+                    </a:lnL>
+                    <a:lnR w="12700" cmpd="sng">
+                      <a:noFill/>
+                    </a:lnR>
+                    <a:lnT w="12700" cmpd="sng">
+                      <a:noFill/>
+                    </a:lnT>
+                    <a:lnB w="12700" cmpd="sng">
+                      <a:noFill/>
+                    </a:lnB>
+                    <a:lnTlToBr w="12700" cmpd="sng">
+                      <a:noFill/>
+                      <a:prstDash val="solid"/>
+                    </a:lnTlToBr>
+                    <a:lnBlToTr w="12700" cmpd="sng">
+                      <a:noFill/>
+                      <a:prstDash val="solid"/>
+                    </a:lnBlToTr>
+                  </a:tcPr>
+                </a:tc>
+                <a:tc>
+                  <a:txBody>
+                    <a:bodyPr/>
+                    <a:lstStyle/>
+                    <a:p>
+                      <a:r>
+                        <a:rPr lang="de-DE" sz="1200" dirty="0"/>
+                        <a:t>Windows 2012 R2+</a:t>
+                      </a:r>
+                    </a:p>
+                  </a:txBody>
+                  <a:tcPr>
+                    <a:lnL w="12700" cmpd="sng">
+                      <a:noFill/>
+                    </a:lnL>
+                    <a:lnR w="12700" cmpd="sng">
+                      <a:noFill/>
+                    </a:lnR>
+                    <a:lnT w="12700" cmpd="sng">
+                      <a:noFill/>
+                    </a:lnT>
+                    <a:lnB w="12700" cmpd="sng">
+                      <a:noFill/>
+                    </a:lnB>
+                    <a:lnTlToBr w="12700" cmpd="sng">
+                      <a:noFill/>
+                      <a:prstDash val="solid"/>
+                    </a:lnTlToBr>
+                    <a:lnBlToTr w="12700" cmpd="sng">
+                      <a:noFill/>
+                      <a:prstDash val="solid"/>
+                    </a:lnBlToTr>
+                  </a:tcPr>
+                </a:tc>
+                <a:extLst>
+                  <a:ext uri="{0D108BD9-81ED-4DB2-BD59-A6C34878D82A}">
+                    <a16:rowId xmlns:a16="http://schemas.microsoft.com/office/drawing/2014/main" val="3045100747"/>
+                  </a:ext>
+                </a:extLst>
+              </a:tr>
+              <a:tr h="288000">
+                <a:tc>
+                  <a:txBody>
+                    <a:bodyPr/>
+                    <a:lstStyle/>
+                    <a:p>
+                      <a:r>
+                        <a:rPr lang="de-DE" sz="1200" dirty="0"/>
                         <a:t>Installationstyp</a:t>
                       </a:r>
                     </a:p>
@@ -6059,21 +5837,15 @@
                     <a:p>
                       <a:r>
                         <a:rPr lang="de-DE" sz="1200" dirty="0"/>
-                        <a:t>50 – 250 GB</a:t>
-                      </a:r>
-                    </a:p>
-                    <a:p>
-                      <a:r>
-                        <a:rPr lang="de-DE" sz="1200" dirty="0"/>
-                        <a:t>Mindestens </a:t>
+                        <a:t>50 – 250 GB SSD Platten, getrennte Platten für </a:t>
                       </a:r>
                       <a:r>
                         <a:rPr lang="de-DE" sz="1200" dirty="0" err="1"/>
-                        <a:t>tempdb</a:t>
+                        <a:t>TempDB</a:t>
                       </a:r>
                       <a:r>
                         <a:rPr lang="de-DE" sz="1200" dirty="0"/>
-                        <a:t> auf SSD Platten</a:t>
+                        <a:t> Files, Datenfiles und Logfiles</a:t>
                       </a:r>
                     </a:p>
                   </a:txBody>
@@ -6257,13 +6029,8 @@
                     <a:p>
                       <a:r>
                         <a:rPr lang="de-DE" sz="1200" dirty="0"/>
-                        <a:t>RAM </a:t>
+                        <a:t>RAM Applikation Server</a:t>
                       </a:r>
-                      <a:r>
-                        <a:rPr lang="de-DE" sz="1200" dirty="0" err="1"/>
-                        <a:t>ApplikationsServer</a:t>
-                      </a:r>
-                      <a:endParaRPr lang="de-DE" sz="1200" dirty="0"/>
                     </a:p>
                   </a:txBody>
                   <a:tcPr>
@@ -6689,7 +6456,10 @@
                     <a:bodyPr/>
                     <a:lstStyle/>
                     <a:p>
-                      <a:endParaRPr lang="de-DE" sz="1200" dirty="0"/>
+                      <a:r>
+                        <a:rPr lang="de-DE" sz="1200" dirty="0"/>
+                        <a:t>Backup</a:t>
+                      </a:r>
                     </a:p>
                   </a:txBody>
                   <a:tcPr>
@@ -6720,7 +6490,10 @@
                     <a:bodyPr/>
                     <a:lstStyle/>
                     <a:p>
-                      <a:endParaRPr lang="de-DE" sz="1200" dirty="0"/>
+                      <a:r>
+                        <a:rPr lang="de-DE" sz="1200" dirty="0"/>
+                        <a:t>Gem. Firmenstandard</a:t>
+                      </a:r>
                     </a:p>
                   </a:txBody>
                   <a:tcPr>
@@ -6751,7 +6524,10 @@
                     <a:bodyPr/>
                     <a:lstStyle/>
                     <a:p>
-                      <a:endParaRPr lang="de-DE" sz="1200" dirty="0"/>
+                      <a:r>
+                        <a:rPr lang="de-DE" sz="1200" dirty="0"/>
+                        <a:t>Gem. Firmenstandard</a:t>
+                      </a:r>
                     </a:p>
                   </a:txBody>
                   <a:tcPr>
@@ -6782,7 +6558,10 @@
                     <a:bodyPr/>
                     <a:lstStyle/>
                     <a:p>
-                      <a:endParaRPr lang="de-DE" sz="1200" dirty="0"/>
+                      <a:r>
+                        <a:rPr lang="de-DE" sz="1200" dirty="0"/>
+                        <a:t>NAS 1 TB</a:t>
+                      </a:r>
                     </a:p>
                   </a:txBody>
                   <a:tcPr>
@@ -6810,138 +6589,7 @@
                 </a:tc>
                 <a:extLst>
                   <a:ext uri="{0D108BD9-81ED-4DB2-BD59-A6C34878D82A}">
-                    <a16:rowId xmlns:a16="http://schemas.microsoft.com/office/drawing/2014/main" val="3838972618"/>
-                  </a:ext>
-                </a:extLst>
-              </a:tr>
-              <a:tr h="288000">
-                <a:tc>
-                  <a:txBody>
-                    <a:bodyPr/>
-                    <a:lstStyle/>
-                    <a:p>
-                      <a:endParaRPr lang="de-DE" sz="1200" dirty="0"/>
-                    </a:p>
-                  </a:txBody>
-                  <a:tcPr>
-                    <a:lnL w="12700" cmpd="sng">
-                      <a:noFill/>
-                    </a:lnL>
-                    <a:lnR w="12700" cmpd="sng">
-                      <a:noFill/>
-                    </a:lnR>
-                    <a:lnT w="12700" cmpd="sng">
-                      <a:noFill/>
-                    </a:lnT>
-                    <a:lnB w="12700" cmpd="sng">
-                      <a:noFill/>
-                    </a:lnB>
-                    <a:lnTlToBr w="12700" cmpd="sng">
-                      <a:noFill/>
-                      <a:prstDash val="solid"/>
-                    </a:lnTlToBr>
-                    <a:lnBlToTr w="12700" cmpd="sng">
-                      <a:noFill/>
-                      <a:prstDash val="solid"/>
-                    </a:lnBlToTr>
-                  </a:tcPr>
-                </a:tc>
-                <a:tc>
-                  <a:txBody>
-                    <a:bodyPr/>
-                    <a:lstStyle/>
-                    <a:p>
-                      <a:endParaRPr lang="de-DE" sz="1200" dirty="0"/>
-                    </a:p>
-                  </a:txBody>
-                  <a:tcPr>
-                    <a:lnL w="12700" cmpd="sng">
-                      <a:noFill/>
-                    </a:lnL>
-                    <a:lnR w="12700" cmpd="sng">
-                      <a:noFill/>
-                    </a:lnR>
-                    <a:lnT w="12700" cmpd="sng">
-                      <a:noFill/>
-                    </a:lnT>
-                    <a:lnB w="12700" cmpd="sng">
-                      <a:noFill/>
-                    </a:lnB>
-                    <a:lnTlToBr w="12700" cmpd="sng">
-                      <a:noFill/>
-                      <a:prstDash val="solid"/>
-                    </a:lnTlToBr>
-                    <a:lnBlToTr w="12700" cmpd="sng">
-                      <a:noFill/>
-                      <a:prstDash val="solid"/>
-                    </a:lnBlToTr>
-                  </a:tcPr>
-                </a:tc>
-                <a:tc>
-                  <a:txBody>
-                    <a:bodyPr/>
-                    <a:lstStyle/>
-                    <a:p>
-                      <a:endParaRPr lang="de-DE" sz="1200" dirty="0"/>
-                    </a:p>
-                  </a:txBody>
-                  <a:tcPr>
-                    <a:lnL w="12700" cmpd="sng">
-                      <a:noFill/>
-                    </a:lnL>
-                    <a:lnR w="12700" cmpd="sng">
-                      <a:noFill/>
-                    </a:lnR>
-                    <a:lnT w="12700" cmpd="sng">
-                      <a:noFill/>
-                    </a:lnT>
-                    <a:lnB w="12700" cmpd="sng">
-                      <a:noFill/>
-                    </a:lnB>
-                    <a:lnTlToBr w="12700" cmpd="sng">
-                      <a:noFill/>
-                      <a:prstDash val="solid"/>
-                    </a:lnTlToBr>
-                    <a:lnBlToTr w="12700" cmpd="sng">
-                      <a:noFill/>
-                      <a:prstDash val="solid"/>
-                    </a:lnBlToTr>
-                  </a:tcPr>
-                </a:tc>
-                <a:tc>
-                  <a:txBody>
-                    <a:bodyPr/>
-                    <a:lstStyle/>
-                    <a:p>
-                      <a:endParaRPr lang="de-DE" sz="1200" dirty="0"/>
-                    </a:p>
-                  </a:txBody>
-                  <a:tcPr>
-                    <a:lnL w="12700" cmpd="sng">
-                      <a:noFill/>
-                    </a:lnL>
-                    <a:lnR w="12700" cmpd="sng">
-                      <a:noFill/>
-                    </a:lnR>
-                    <a:lnT w="12700" cmpd="sng">
-                      <a:noFill/>
-                    </a:lnT>
-                    <a:lnB w="12700" cmpd="sng">
-                      <a:noFill/>
-                    </a:lnB>
-                    <a:lnTlToBr w="12700" cmpd="sng">
-                      <a:noFill/>
-                      <a:prstDash val="solid"/>
-                    </a:lnTlToBr>
-                    <a:lnBlToTr w="12700" cmpd="sng">
-                      <a:noFill/>
-                      <a:prstDash val="solid"/>
-                    </a:lnBlToTr>
-                  </a:tcPr>
-                </a:tc>
-                <a:extLst>
-                  <a:ext uri="{0D108BD9-81ED-4DB2-BD59-A6C34878D82A}">
-                    <a16:rowId xmlns:a16="http://schemas.microsoft.com/office/drawing/2014/main" val="1918955560"/>
+                    <a16:rowId xmlns:a16="http://schemas.microsoft.com/office/drawing/2014/main" val="2049582126"/>
                   </a:ext>
                 </a:extLst>
               </a:tr>

--- a/3a. DataFactory - Installation and Update/DataFactoy Systemvoraussetzungen.pptx
+++ b/3a. DataFactory - Installation and Update/DataFactoy Systemvoraussetzungen.pptx
@@ -3688,7 +3688,7 @@
         <p:spPr>
           <a:xfrm>
             <a:off x="244976" y="1140824"/>
-            <a:ext cx="6120680" cy="5201424"/>
+            <a:ext cx="6120680" cy="5386090"/>
           </a:xfrm>
           <a:prstGeom prst="rect">
             <a:avLst/>
@@ -3894,10 +3894,16 @@
                   </a:schemeClr>
                 </a:solidFill>
               </a:rPr>
-              <a:t>Admin Rechte auf dem SQL Server für die Nutzung von SQL Agent, SQL Profiler, SQL Debugger, Backup bei Projekten vom Typ „Mittel“ und </a:t>
-            </a:r>
-            <a:r>
-              <a:rPr lang="de-DE" sz="1200">
+              <a:t>Siehe Differenzierung nach Größe auf Folgeseite</a:t>
+            </a:r>
+          </a:p>
+          <a:p>
+            <a:pPr marL="800100" lvl="1" indent="-342900">
+              <a:buFont typeface="Arial" pitchFamily="34" charset="0"/>
+              <a:buChar char="•"/>
+            </a:pPr>
+            <a:r>
+              <a:rPr lang="de-DE" sz="1200" dirty="0">
                 <a:solidFill>
                   <a:schemeClr val="tx1">
                     <a:lumMod val="85000"/>
@@ -3905,7 +3911,7 @@
                   </a:schemeClr>
                 </a:solidFill>
               </a:rPr>
-              <a:t>„Groß“</a:t>
+              <a:t>Admin Rechte auf dem SQL Server für die Nutzung von SQL Agent, SQL Profiler, SQL Debugger, Backup bei Projekten vom Typ „Mittel“ und „Groß“</a:t>
             </a:r>
           </a:p>
           <a:p>
@@ -4962,7 +4968,7 @@
           <p:nvPr>
             <p:extLst>
               <p:ext uri="{D42A27DB-BD31-4B8C-83A1-F6EECF244321}">
-                <p14:modId xmlns:p14="http://schemas.microsoft.com/office/powerpoint/2010/main" val="3465810453"/>
+                <p14:modId xmlns:p14="http://schemas.microsoft.com/office/powerpoint/2010/main" val="3254691186"/>
               </p:ext>
             </p:extLst>
           </p:nvPr>
@@ -6097,7 +6103,7 @@
                     <a:p>
                       <a:r>
                         <a:rPr lang="de-DE" sz="1200" dirty="0"/>
-                        <a:t>8 GM</a:t>
+                        <a:t>8 GB</a:t>
                       </a:r>
                     </a:p>
                   </a:txBody>
@@ -6240,7 +6246,7 @@
                     <a:p>
                       <a:r>
                         <a:rPr lang="de-DE" sz="1200" dirty="0"/>
-                        <a:t>16 GM</a:t>
+                        <a:t>16 GB</a:t>
                       </a:r>
                     </a:p>
                   </a:txBody>

--- a/3a. DataFactory - Installation and Update/DataFactoy Systemvoraussetzungen.pptx
+++ b/3a. DataFactory - Installation and Update/DataFactoy Systemvoraussetzungen.pptx
@@ -305,7 +305,7 @@
             <a:fld id="{4A822124-BDB8-4DC5-8F41-BBB4CF6022AF}" type="datetimeFigureOut">
               <a:rPr lang="de-DE" smtClean="0"/>
               <a:pPr/>
-              <a:t>24.10.2018</a:t>
+              <a:t>02.11.2018</a:t>
             </a:fld>
             <a:endParaRPr lang="de-DE" dirty="0"/>
           </a:p>
@@ -470,7 +470,7 @@
             <a:fld id="{4A822124-BDB8-4DC5-8F41-BBB4CF6022AF}" type="datetimeFigureOut">
               <a:rPr lang="de-DE" smtClean="0"/>
               <a:pPr/>
-              <a:t>24.10.2018</a:t>
+              <a:t>02.11.2018</a:t>
             </a:fld>
             <a:endParaRPr lang="de-DE" dirty="0"/>
           </a:p>
@@ -645,7 +645,7 @@
             <a:fld id="{4A822124-BDB8-4DC5-8F41-BBB4CF6022AF}" type="datetimeFigureOut">
               <a:rPr lang="de-DE" smtClean="0"/>
               <a:pPr/>
-              <a:t>24.10.2018</a:t>
+              <a:t>02.11.2018</a:t>
             </a:fld>
             <a:endParaRPr lang="de-DE" dirty="0"/>
           </a:p>
@@ -810,7 +810,7 @@
             <a:fld id="{4A822124-BDB8-4DC5-8F41-BBB4CF6022AF}" type="datetimeFigureOut">
               <a:rPr lang="de-DE" smtClean="0"/>
               <a:pPr/>
-              <a:t>24.10.2018</a:t>
+              <a:t>02.11.2018</a:t>
             </a:fld>
             <a:endParaRPr lang="de-DE" dirty="0"/>
           </a:p>
@@ -1052,7 +1052,7 @@
             <a:fld id="{4A822124-BDB8-4DC5-8F41-BBB4CF6022AF}" type="datetimeFigureOut">
               <a:rPr lang="de-DE" smtClean="0"/>
               <a:pPr/>
-              <a:t>24.10.2018</a:t>
+              <a:t>02.11.2018</a:t>
             </a:fld>
             <a:endParaRPr lang="de-DE" dirty="0"/>
           </a:p>
@@ -1334,7 +1334,7 @@
             <a:fld id="{4A822124-BDB8-4DC5-8F41-BBB4CF6022AF}" type="datetimeFigureOut">
               <a:rPr lang="de-DE" smtClean="0"/>
               <a:pPr/>
-              <a:t>24.10.2018</a:t>
+              <a:t>02.11.2018</a:t>
             </a:fld>
             <a:endParaRPr lang="de-DE" dirty="0"/>
           </a:p>
@@ -1755,7 +1755,7 @@
             <a:fld id="{4A822124-BDB8-4DC5-8F41-BBB4CF6022AF}" type="datetimeFigureOut">
               <a:rPr lang="de-DE" smtClean="0"/>
               <a:pPr/>
-              <a:t>24.10.2018</a:t>
+              <a:t>02.11.2018</a:t>
             </a:fld>
             <a:endParaRPr lang="de-DE" dirty="0"/>
           </a:p>
@@ -1869,7 +1869,7 @@
             <a:fld id="{4A822124-BDB8-4DC5-8F41-BBB4CF6022AF}" type="datetimeFigureOut">
               <a:rPr lang="de-DE" smtClean="0"/>
               <a:pPr/>
-              <a:t>24.10.2018</a:t>
+              <a:t>02.11.2018</a:t>
             </a:fld>
             <a:endParaRPr lang="de-DE" dirty="0"/>
           </a:p>
@@ -1961,7 +1961,7 @@
             <a:fld id="{4A822124-BDB8-4DC5-8F41-BBB4CF6022AF}" type="datetimeFigureOut">
               <a:rPr lang="de-DE" smtClean="0"/>
               <a:pPr/>
-              <a:t>24.10.2018</a:t>
+              <a:t>02.11.2018</a:t>
             </a:fld>
             <a:endParaRPr lang="de-DE" dirty="0"/>
           </a:p>
@@ -2233,7 +2233,7 @@
             <a:fld id="{4A822124-BDB8-4DC5-8F41-BBB4CF6022AF}" type="datetimeFigureOut">
               <a:rPr lang="de-DE" smtClean="0"/>
               <a:pPr/>
-              <a:t>24.10.2018</a:t>
+              <a:t>02.11.2018</a:t>
             </a:fld>
             <a:endParaRPr lang="de-DE" dirty="0"/>
           </a:p>
@@ -2482,7 +2482,7 @@
             <a:fld id="{4A822124-BDB8-4DC5-8F41-BBB4CF6022AF}" type="datetimeFigureOut">
               <a:rPr lang="de-DE" smtClean="0"/>
               <a:pPr/>
-              <a:t>24.10.2018</a:t>
+              <a:t>02.11.2018</a:t>
             </a:fld>
             <a:endParaRPr lang="de-DE" dirty="0"/>
           </a:p>
@@ -2690,7 +2690,7 @@
             <a:fld id="{4A822124-BDB8-4DC5-8F41-BBB4CF6022AF}" type="datetimeFigureOut">
               <a:rPr lang="de-DE" smtClean="0"/>
               <a:pPr/>
-              <a:t>24.10.2018</a:t>
+              <a:t>02.11.2018</a:t>
             </a:fld>
             <a:endParaRPr lang="de-DE" dirty="0"/>
           </a:p>
@@ -3688,7 +3688,7 @@
         <p:spPr>
           <a:xfrm>
             <a:off x="244976" y="1140824"/>
-            <a:ext cx="6120680" cy="5386090"/>
+            <a:ext cx="6120680" cy="5940088"/>
           </a:xfrm>
           <a:prstGeom prst="rect">
             <a:avLst/>
@@ -4344,6 +4344,23 @@
                 </a:solidFill>
               </a:rPr>
               <a:t>ggf. lesender SQL Zugriff auf Vorsystemdatenbanken </a:t>
+            </a:r>
+          </a:p>
+          <a:p>
+            <a:pPr marL="800100" lvl="1" indent="-342900">
+              <a:buFont typeface="Arial" pitchFamily="34" charset="0"/>
+              <a:buChar char="•"/>
+            </a:pPr>
+            <a:r>
+              <a:rPr lang="de-DE" sz="1200" dirty="0">
+                <a:solidFill>
+                  <a:schemeClr val="tx1">
+                    <a:lumMod val="85000"/>
+                    <a:lumOff val="15000"/>
+                  </a:schemeClr>
+                </a:solidFill>
+              </a:rPr>
+              <a:t>Bitte nennen Sie uns vor der Installation Domäne\Benutzername des Fachadministrators für DataFactory. Üblicherweise ein User aus dem Controlling, welcher allen andern Benutzer interne DataFactory Rechte zuweist.</a:t>
             </a:r>
           </a:p>
           <a:p>

--- a/3a. DataFactory - Installation and Update/DataFactoy Systemvoraussetzungen.pptx
+++ b/3a. DataFactory - Installation and Update/DataFactoy Systemvoraussetzungen.pptx
@@ -305,7 +305,7 @@
             <a:fld id="{4A822124-BDB8-4DC5-8F41-BBB4CF6022AF}" type="datetimeFigureOut">
               <a:rPr lang="de-DE" smtClean="0"/>
               <a:pPr/>
-              <a:t>02.11.2018</a:t>
+              <a:t>03.01.2019</a:t>
             </a:fld>
             <a:endParaRPr lang="de-DE" dirty="0"/>
           </a:p>
@@ -470,7 +470,7 @@
             <a:fld id="{4A822124-BDB8-4DC5-8F41-BBB4CF6022AF}" type="datetimeFigureOut">
               <a:rPr lang="de-DE" smtClean="0"/>
               <a:pPr/>
-              <a:t>02.11.2018</a:t>
+              <a:t>03.01.2019</a:t>
             </a:fld>
             <a:endParaRPr lang="de-DE" dirty="0"/>
           </a:p>
@@ -645,7 +645,7 @@
             <a:fld id="{4A822124-BDB8-4DC5-8F41-BBB4CF6022AF}" type="datetimeFigureOut">
               <a:rPr lang="de-DE" smtClean="0"/>
               <a:pPr/>
-              <a:t>02.11.2018</a:t>
+              <a:t>03.01.2019</a:t>
             </a:fld>
             <a:endParaRPr lang="de-DE" dirty="0"/>
           </a:p>
@@ -810,7 +810,7 @@
             <a:fld id="{4A822124-BDB8-4DC5-8F41-BBB4CF6022AF}" type="datetimeFigureOut">
               <a:rPr lang="de-DE" smtClean="0"/>
               <a:pPr/>
-              <a:t>02.11.2018</a:t>
+              <a:t>03.01.2019</a:t>
             </a:fld>
             <a:endParaRPr lang="de-DE" dirty="0"/>
           </a:p>
@@ -1052,7 +1052,7 @@
             <a:fld id="{4A822124-BDB8-4DC5-8F41-BBB4CF6022AF}" type="datetimeFigureOut">
               <a:rPr lang="de-DE" smtClean="0"/>
               <a:pPr/>
-              <a:t>02.11.2018</a:t>
+              <a:t>03.01.2019</a:t>
             </a:fld>
             <a:endParaRPr lang="de-DE" dirty="0"/>
           </a:p>
@@ -1334,7 +1334,7 @@
             <a:fld id="{4A822124-BDB8-4DC5-8F41-BBB4CF6022AF}" type="datetimeFigureOut">
               <a:rPr lang="de-DE" smtClean="0"/>
               <a:pPr/>
-              <a:t>02.11.2018</a:t>
+              <a:t>03.01.2019</a:t>
             </a:fld>
             <a:endParaRPr lang="de-DE" dirty="0"/>
           </a:p>
@@ -1755,7 +1755,7 @@
             <a:fld id="{4A822124-BDB8-4DC5-8F41-BBB4CF6022AF}" type="datetimeFigureOut">
               <a:rPr lang="de-DE" smtClean="0"/>
               <a:pPr/>
-              <a:t>02.11.2018</a:t>
+              <a:t>03.01.2019</a:t>
             </a:fld>
             <a:endParaRPr lang="de-DE" dirty="0"/>
           </a:p>
@@ -1869,7 +1869,7 @@
             <a:fld id="{4A822124-BDB8-4DC5-8F41-BBB4CF6022AF}" type="datetimeFigureOut">
               <a:rPr lang="de-DE" smtClean="0"/>
               <a:pPr/>
-              <a:t>02.11.2018</a:t>
+              <a:t>03.01.2019</a:t>
             </a:fld>
             <a:endParaRPr lang="de-DE" dirty="0"/>
           </a:p>
@@ -1961,7 +1961,7 @@
             <a:fld id="{4A822124-BDB8-4DC5-8F41-BBB4CF6022AF}" type="datetimeFigureOut">
               <a:rPr lang="de-DE" smtClean="0"/>
               <a:pPr/>
-              <a:t>02.11.2018</a:t>
+              <a:t>03.01.2019</a:t>
             </a:fld>
             <a:endParaRPr lang="de-DE" dirty="0"/>
           </a:p>
@@ -2233,7 +2233,7 @@
             <a:fld id="{4A822124-BDB8-4DC5-8F41-BBB4CF6022AF}" type="datetimeFigureOut">
               <a:rPr lang="de-DE" smtClean="0"/>
               <a:pPr/>
-              <a:t>02.11.2018</a:t>
+              <a:t>03.01.2019</a:t>
             </a:fld>
             <a:endParaRPr lang="de-DE" dirty="0"/>
           </a:p>
@@ -2482,7 +2482,7 @@
             <a:fld id="{4A822124-BDB8-4DC5-8F41-BBB4CF6022AF}" type="datetimeFigureOut">
               <a:rPr lang="de-DE" smtClean="0"/>
               <a:pPr/>
-              <a:t>02.11.2018</a:t>
+              <a:t>03.01.2019</a:t>
             </a:fld>
             <a:endParaRPr lang="de-DE" dirty="0"/>
           </a:p>
@@ -2690,7 +2690,7 @@
             <a:fld id="{4A822124-BDB8-4DC5-8F41-BBB4CF6022AF}" type="datetimeFigureOut">
               <a:rPr lang="de-DE" smtClean="0"/>
               <a:pPr/>
-              <a:t>02.11.2018</a:t>
+              <a:t>03.01.2019</a:t>
             </a:fld>
             <a:endParaRPr lang="de-DE" dirty="0"/>
           </a:p>
@@ -3911,7 +3911,7 @@
                   </a:schemeClr>
                 </a:solidFill>
               </a:rPr>
-              <a:t>Admin Rechte auf dem SQL Server für die Nutzung von SQL Agent, SQL Profiler, SQL Debugger, Backup bei Projekten vom Typ „Mittel“ und „Groß“</a:t>
+              <a:t>Admin Rechte auf dem SQL Server für die Nutzung von SQL Agent, SQL Profiler, SQL Debugger, Backups bei Projekten vom Typ „Mittel“ und „Groß“</a:t>
             </a:r>
           </a:p>
           <a:p>

--- a/3a. DataFactory - Installation and Update/DataFactoy Systemvoraussetzungen.pptx
+++ b/3a. DataFactory - Installation and Update/DataFactoy Systemvoraussetzungen.pptx
@@ -7,7 +7,8 @@
   <p:sldIdLst>
     <p:sldId id="274" r:id="rId2"/>
     <p:sldId id="273" r:id="rId3"/>
-    <p:sldId id="275" r:id="rId4"/>
+    <p:sldId id="276" r:id="rId4"/>
+    <p:sldId id="275" r:id="rId5"/>
   </p:sldIdLst>
   <p:sldSz cx="6858000" cy="9906000" type="A4"/>
   <p:notesSz cx="7099300" cy="10234613"/>
@@ -305,7 +306,7 @@
             <a:fld id="{4A822124-BDB8-4DC5-8F41-BBB4CF6022AF}" type="datetimeFigureOut">
               <a:rPr lang="de-DE" smtClean="0"/>
               <a:pPr/>
-              <a:t>03.01.2019</a:t>
+              <a:t>17.01.2019</a:t>
             </a:fld>
             <a:endParaRPr lang="de-DE" dirty="0"/>
           </a:p>
@@ -470,7 +471,7 @@
             <a:fld id="{4A822124-BDB8-4DC5-8F41-BBB4CF6022AF}" type="datetimeFigureOut">
               <a:rPr lang="de-DE" smtClean="0"/>
               <a:pPr/>
-              <a:t>03.01.2019</a:t>
+              <a:t>17.01.2019</a:t>
             </a:fld>
             <a:endParaRPr lang="de-DE" dirty="0"/>
           </a:p>
@@ -645,7 +646,7 @@
             <a:fld id="{4A822124-BDB8-4DC5-8F41-BBB4CF6022AF}" type="datetimeFigureOut">
               <a:rPr lang="de-DE" smtClean="0"/>
               <a:pPr/>
-              <a:t>03.01.2019</a:t>
+              <a:t>17.01.2019</a:t>
             </a:fld>
             <a:endParaRPr lang="de-DE" dirty="0"/>
           </a:p>
@@ -810,7 +811,7 @@
             <a:fld id="{4A822124-BDB8-4DC5-8F41-BBB4CF6022AF}" type="datetimeFigureOut">
               <a:rPr lang="de-DE" smtClean="0"/>
               <a:pPr/>
-              <a:t>03.01.2019</a:t>
+              <a:t>17.01.2019</a:t>
             </a:fld>
             <a:endParaRPr lang="de-DE" dirty="0"/>
           </a:p>
@@ -1052,7 +1053,7 @@
             <a:fld id="{4A822124-BDB8-4DC5-8F41-BBB4CF6022AF}" type="datetimeFigureOut">
               <a:rPr lang="de-DE" smtClean="0"/>
               <a:pPr/>
-              <a:t>03.01.2019</a:t>
+              <a:t>17.01.2019</a:t>
             </a:fld>
             <a:endParaRPr lang="de-DE" dirty="0"/>
           </a:p>
@@ -1334,7 +1335,7 @@
             <a:fld id="{4A822124-BDB8-4DC5-8F41-BBB4CF6022AF}" type="datetimeFigureOut">
               <a:rPr lang="de-DE" smtClean="0"/>
               <a:pPr/>
-              <a:t>03.01.2019</a:t>
+              <a:t>17.01.2019</a:t>
             </a:fld>
             <a:endParaRPr lang="de-DE" dirty="0"/>
           </a:p>
@@ -1755,7 +1756,7 @@
             <a:fld id="{4A822124-BDB8-4DC5-8F41-BBB4CF6022AF}" type="datetimeFigureOut">
               <a:rPr lang="de-DE" smtClean="0"/>
               <a:pPr/>
-              <a:t>03.01.2019</a:t>
+              <a:t>17.01.2019</a:t>
             </a:fld>
             <a:endParaRPr lang="de-DE" dirty="0"/>
           </a:p>
@@ -1869,7 +1870,7 @@
             <a:fld id="{4A822124-BDB8-4DC5-8F41-BBB4CF6022AF}" type="datetimeFigureOut">
               <a:rPr lang="de-DE" smtClean="0"/>
               <a:pPr/>
-              <a:t>03.01.2019</a:t>
+              <a:t>17.01.2019</a:t>
             </a:fld>
             <a:endParaRPr lang="de-DE" dirty="0"/>
           </a:p>
@@ -1961,7 +1962,7 @@
             <a:fld id="{4A822124-BDB8-4DC5-8F41-BBB4CF6022AF}" type="datetimeFigureOut">
               <a:rPr lang="de-DE" smtClean="0"/>
               <a:pPr/>
-              <a:t>03.01.2019</a:t>
+              <a:t>17.01.2019</a:t>
             </a:fld>
             <a:endParaRPr lang="de-DE" dirty="0"/>
           </a:p>
@@ -2233,7 +2234,7 @@
             <a:fld id="{4A822124-BDB8-4DC5-8F41-BBB4CF6022AF}" type="datetimeFigureOut">
               <a:rPr lang="de-DE" smtClean="0"/>
               <a:pPr/>
-              <a:t>03.01.2019</a:t>
+              <a:t>17.01.2019</a:t>
             </a:fld>
             <a:endParaRPr lang="de-DE" dirty="0"/>
           </a:p>
@@ -2482,7 +2483,7 @@
             <a:fld id="{4A822124-BDB8-4DC5-8F41-BBB4CF6022AF}" type="datetimeFigureOut">
               <a:rPr lang="de-DE" smtClean="0"/>
               <a:pPr/>
-              <a:t>03.01.2019</a:t>
+              <a:t>17.01.2019</a:t>
             </a:fld>
             <a:endParaRPr lang="de-DE" dirty="0"/>
           </a:p>
@@ -2690,7 +2691,7 @@
             <a:fld id="{4A822124-BDB8-4DC5-8F41-BBB4CF6022AF}" type="datetimeFigureOut">
               <a:rPr lang="de-DE" smtClean="0"/>
               <a:pPr/>
-              <a:t>03.01.2019</a:t>
+              <a:t>17.01.2019</a:t>
             </a:fld>
             <a:endParaRPr lang="de-DE" dirty="0"/>
           </a:p>
@@ -3341,7 +3342,7 @@
           <a:p>
             <a:r>
               <a:rPr lang="de-DE" sz="1200" dirty="0"/>
-              <a:t>Der Aufbau des Systems erfolgt meist über mehrere Monate, wir bitten Sie daher um einen permanenten RDP Zugriff auf den Server. Bitte sperren Sie im RDP nicht die Zwischenablage </a:t>
+              <a:t>Der Aufbau des Systems erfolgt meist über mehrere Monate, wir bitten Sie daher um einen permanenten RDP Zugriff auf den Server für den Projektzeitraum. Bitte sperren Sie im RDP nicht die Zwischenablage </a:t>
             </a:r>
             <a:r>
               <a:rPr lang="de-DE" sz="800" dirty="0"/>
@@ -4360,7 +4361,7 @@
                   </a:schemeClr>
                 </a:solidFill>
               </a:rPr>
-              <a:t>Bitte nennen Sie uns vor der Installation Domäne\Benutzername des Fachadministrators für DataFactory. Üblicherweise ein User aus dem Controlling, welcher allen andern Benutzer interne DataFactory Rechte zuweist.</a:t>
+              <a:t>Bitte nennen Sie uns vor der Installation Domäne\Benutzername des Fachadministrators für DataFactory. Üblicherweise ein User aus dem Controlling, welcher allen anderen Benutzer interne DataFactory Rechte zuweist.</a:t>
             </a:r>
           </a:p>
           <a:p>
@@ -4679,6 +4680,589 @@
 </file>
 
 <file path=ppt/slides/slide3.xml><?xml version="1.0" encoding="utf-8"?>
+<p:sld xmlns:a="http://schemas.openxmlformats.org/drawingml/2006/main" xmlns:r="http://schemas.openxmlformats.org/officeDocument/2006/relationships" xmlns:p="http://schemas.openxmlformats.org/presentationml/2006/main">
+  <p:cSld>
+    <p:spTree>
+      <p:nvGrpSpPr>
+        <p:cNvPr id="1" name=""/>
+        <p:cNvGrpSpPr/>
+        <p:nvPr/>
+      </p:nvGrpSpPr>
+      <p:grpSpPr>
+        <a:xfrm>
+          <a:off x="0" y="0"/>
+          <a:ext cx="0" cy="0"/>
+          <a:chOff x="0" y="0"/>
+          <a:chExt cx="0" cy="0"/>
+        </a:xfrm>
+      </p:grpSpPr>
+      <p:sp>
+        <p:nvSpPr>
+          <p:cNvPr id="14" name="Textfeld 13"/>
+          <p:cNvSpPr txBox="1"/>
+          <p:nvPr/>
+        </p:nvSpPr>
+        <p:spPr>
+          <a:xfrm>
+            <a:off x="244976" y="1140824"/>
+            <a:ext cx="6120680" cy="3046988"/>
+          </a:xfrm>
+          <a:prstGeom prst="rect">
+            <a:avLst/>
+          </a:prstGeom>
+          <a:noFill/>
+        </p:spPr>
+        <p:txBody>
+          <a:bodyPr wrap="square" rtlCol="0">
+            <a:spAutoFit/>
+          </a:bodyPr>
+          <a:lstStyle/>
+          <a:p>
+            <a:r>
+              <a:rPr lang="de-DE" sz="1200" dirty="0">
+                <a:solidFill>
+                  <a:schemeClr val="tx1">
+                    <a:lumMod val="85000"/>
+                    <a:lumOff val="15000"/>
+                  </a:schemeClr>
+                </a:solidFill>
+              </a:rPr>
+              <a:t>Wir nutzen Microsoft SQL Server sehr intensiv, nicht nur als Datenbank für die Ablage von Tabellen der Applikation. </a:t>
+            </a:r>
+          </a:p>
+          <a:p>
+            <a:r>
+              <a:rPr lang="de-DE" sz="1200" dirty="0">
+                <a:solidFill>
+                  <a:schemeClr val="tx1">
+                    <a:lumMod val="85000"/>
+                    <a:lumOff val="15000"/>
+                  </a:schemeClr>
+                </a:solidFill>
+              </a:rPr>
+              <a:t>Es ist für uns sehr hilfreich in Projekten ab der Größe „Mittel“ einen SQL Server mit vollen Rechten nutzen zu können, das kann realisiert werden indem wir:</a:t>
+            </a:r>
+          </a:p>
+          <a:p>
+            <a:pPr marL="800100" lvl="1" indent="-342900">
+              <a:buFont typeface="Arial" pitchFamily="34" charset="0"/>
+              <a:buChar char="•"/>
+            </a:pPr>
+            <a:r>
+              <a:rPr lang="de-DE" sz="1200" dirty="0">
+                <a:solidFill>
+                  <a:schemeClr val="tx1">
+                    <a:lumMod val="85000"/>
+                    <a:lumOff val="15000"/>
+                  </a:schemeClr>
+                </a:solidFill>
+              </a:rPr>
+              <a:t>Einen eigenen SQL Server in einer virtuellen Maschine nutzen</a:t>
+            </a:r>
+          </a:p>
+          <a:p>
+            <a:pPr marL="800100" lvl="1" indent="-342900">
+              <a:buFont typeface="Arial" pitchFamily="34" charset="0"/>
+              <a:buChar char="•"/>
+            </a:pPr>
+            <a:r>
+              <a:rPr lang="de-DE" sz="1200" dirty="0">
+                <a:solidFill>
+                  <a:schemeClr val="tx1">
+                    <a:lumMod val="85000"/>
+                    <a:lumOff val="15000"/>
+                  </a:schemeClr>
+                </a:solidFill>
+              </a:rPr>
+              <a:t>Eine eigene SQL Server Instanz auf einem zentralen Server nutzen</a:t>
+            </a:r>
+          </a:p>
+          <a:p>
+            <a:endParaRPr lang="de-DE" sz="1200" b="1" dirty="0">
+              <a:solidFill>
+                <a:schemeClr val="tx1">
+                  <a:lumMod val="85000"/>
+                  <a:lumOff val="15000"/>
+                </a:schemeClr>
+              </a:solidFill>
+            </a:endParaRPr>
+          </a:p>
+          <a:p>
+            <a:r>
+              <a:rPr lang="de-DE" sz="1200" dirty="0">
+                <a:solidFill>
+                  <a:schemeClr val="tx1">
+                    <a:lumMod val="85000"/>
+                    <a:lumOff val="15000"/>
+                  </a:schemeClr>
+                </a:solidFill>
+              </a:rPr>
+              <a:t>Sofern es nicht möglich ist uns einen SQL Server mit der Rolle </a:t>
+            </a:r>
+            <a:r>
+              <a:rPr lang="de-DE" sz="1200" dirty="0" err="1">
+                <a:solidFill>
+                  <a:schemeClr val="tx1">
+                    <a:lumMod val="85000"/>
+                    <a:lumOff val="15000"/>
+                  </a:schemeClr>
+                </a:solidFill>
+              </a:rPr>
+              <a:t>sysadmin</a:t>
+            </a:r>
+            <a:r>
+              <a:rPr lang="de-DE" sz="1200" dirty="0">
+                <a:solidFill>
+                  <a:schemeClr val="tx1">
+                    <a:lumMod val="85000"/>
+                    <a:lumOff val="15000"/>
+                  </a:schemeClr>
+                </a:solidFill>
+              </a:rPr>
+              <a:t> bereitzustellen, benötigen wir zumindest zeitweise administrativen Zugang für</a:t>
+            </a:r>
+          </a:p>
+          <a:p>
+            <a:pPr marL="800100" lvl="1" indent="-342900">
+              <a:buFont typeface="Arial" pitchFamily="34" charset="0"/>
+              <a:buChar char="•"/>
+            </a:pPr>
+            <a:r>
+              <a:rPr lang="de-DE" sz="1200" dirty="0">
+                <a:solidFill>
+                  <a:schemeClr val="tx1">
+                    <a:lumMod val="85000"/>
+                    <a:lumOff val="15000"/>
+                  </a:schemeClr>
+                </a:solidFill>
+              </a:rPr>
+              <a:t>Einrichtung von Jobs</a:t>
+            </a:r>
+            <a:endParaRPr lang="de-DE" sz="800" dirty="0">
+              <a:solidFill>
+                <a:schemeClr val="tx1">
+                  <a:lumMod val="85000"/>
+                  <a:lumOff val="15000"/>
+                </a:schemeClr>
+              </a:solidFill>
+            </a:endParaRPr>
+          </a:p>
+          <a:p>
+            <a:pPr marL="800100" lvl="1" indent="-342900">
+              <a:buFont typeface="Arial" pitchFamily="34" charset="0"/>
+              <a:buChar char="•"/>
+            </a:pPr>
+            <a:r>
+              <a:rPr lang="de-DE" sz="1200" dirty="0">
+                <a:solidFill>
+                  <a:schemeClr val="tx1">
+                    <a:lumMod val="85000"/>
+                    <a:lumOff val="15000"/>
+                  </a:schemeClr>
+                </a:solidFill>
+              </a:rPr>
+              <a:t>Einrichtung von </a:t>
+            </a:r>
+            <a:r>
+              <a:rPr lang="de-DE" sz="1200" dirty="0" err="1">
+                <a:solidFill>
+                  <a:schemeClr val="tx1">
+                    <a:lumMod val="85000"/>
+                    <a:lumOff val="15000"/>
+                  </a:schemeClr>
+                </a:solidFill>
+              </a:rPr>
+              <a:t>Linked</a:t>
+            </a:r>
+            <a:r>
+              <a:rPr lang="de-DE" sz="1200" dirty="0">
+                <a:solidFill>
+                  <a:schemeClr val="tx1">
+                    <a:lumMod val="85000"/>
+                    <a:lumOff val="15000"/>
+                  </a:schemeClr>
+                </a:solidFill>
+              </a:rPr>
+              <a:t> Server Verbindungen</a:t>
+            </a:r>
+            <a:endParaRPr lang="de-DE" sz="1000" dirty="0">
+              <a:solidFill>
+                <a:schemeClr val="tx1">
+                  <a:lumMod val="85000"/>
+                  <a:lumOff val="15000"/>
+                </a:schemeClr>
+              </a:solidFill>
+            </a:endParaRPr>
+          </a:p>
+          <a:p>
+            <a:pPr marL="800100" lvl="1" indent="-342900">
+              <a:buFont typeface="Arial" pitchFamily="34" charset="0"/>
+              <a:buChar char="•"/>
+            </a:pPr>
+            <a:r>
+              <a:rPr lang="de-DE" sz="1200" dirty="0">
+                <a:solidFill>
+                  <a:schemeClr val="tx1">
+                    <a:lumMod val="85000"/>
+                    <a:lumOff val="15000"/>
+                  </a:schemeClr>
+                </a:solidFill>
+              </a:rPr>
+              <a:t>Nutzung des Debuggers</a:t>
+            </a:r>
+          </a:p>
+          <a:p>
+            <a:pPr marL="800100" lvl="1" indent="-342900">
+              <a:buFont typeface="Arial" pitchFamily="34" charset="0"/>
+              <a:buChar char="•"/>
+            </a:pPr>
+            <a:r>
+              <a:rPr lang="de-DE" sz="1200" dirty="0">
+                <a:solidFill>
+                  <a:schemeClr val="tx1">
+                    <a:lumMod val="85000"/>
+                    <a:lumOff val="15000"/>
+                  </a:schemeClr>
+                </a:solidFill>
+              </a:rPr>
+              <a:t>Erstellung / Restore von Backups</a:t>
+            </a:r>
+            <a:endParaRPr lang="de-DE" sz="1000" dirty="0">
+              <a:solidFill>
+                <a:schemeClr val="tx1">
+                  <a:lumMod val="85000"/>
+                  <a:lumOff val="15000"/>
+                </a:schemeClr>
+              </a:solidFill>
+            </a:endParaRPr>
+          </a:p>
+          <a:p>
+            <a:pPr marL="342900" indent="-342900"/>
+            <a:endParaRPr lang="de-DE" sz="1200" b="1" dirty="0">
+              <a:solidFill>
+                <a:schemeClr val="tx1">
+                  <a:lumMod val="85000"/>
+                  <a:lumOff val="15000"/>
+                </a:schemeClr>
+              </a:solidFill>
+            </a:endParaRPr>
+          </a:p>
+          <a:p>
+            <a:pPr marL="342900" indent="-342900"/>
+            <a:endParaRPr lang="de-DE" sz="1200" b="1" dirty="0">
+              <a:solidFill>
+                <a:schemeClr val="tx1">
+                  <a:lumMod val="85000"/>
+                  <a:lumOff val="15000"/>
+                </a:schemeClr>
+              </a:solidFill>
+            </a:endParaRPr>
+          </a:p>
+          <a:p>
+            <a:pPr marL="342900" indent="-342900"/>
+            <a:r>
+              <a:rPr lang="de-DE" sz="1200" b="1" dirty="0">
+                <a:solidFill>
+                  <a:schemeClr val="tx1">
+                    <a:lumMod val="85000"/>
+                    <a:lumOff val="15000"/>
+                  </a:schemeClr>
+                </a:solidFill>
+              </a:rPr>
+              <a:t>	</a:t>
+            </a:r>
+          </a:p>
+        </p:txBody>
+      </p:sp>
+      <p:sp>
+        <p:nvSpPr>
+          <p:cNvPr id="10" name="Rechteck 9"/>
+          <p:cNvSpPr/>
+          <p:nvPr/>
+        </p:nvSpPr>
+        <p:spPr>
+          <a:xfrm>
+            <a:off x="0" y="755429"/>
+            <a:ext cx="6858000" cy="310245"/>
+          </a:xfrm>
+          <a:prstGeom prst="rect">
+            <a:avLst/>
+          </a:prstGeom>
+          <a:gradFill flip="none" rotWithShape="1">
+            <a:gsLst>
+              <a:gs pos="0">
+                <a:schemeClr val="tx1">
+                  <a:lumMod val="65000"/>
+                  <a:lumOff val="35000"/>
+                  <a:shade val="30000"/>
+                  <a:satMod val="115000"/>
+                </a:schemeClr>
+              </a:gs>
+              <a:gs pos="50000">
+                <a:schemeClr val="tx1">
+                  <a:lumMod val="65000"/>
+                  <a:lumOff val="35000"/>
+                  <a:shade val="67500"/>
+                  <a:satMod val="115000"/>
+                </a:schemeClr>
+              </a:gs>
+              <a:gs pos="100000">
+                <a:schemeClr val="tx1">
+                  <a:lumMod val="65000"/>
+                  <a:lumOff val="35000"/>
+                  <a:shade val="100000"/>
+                  <a:satMod val="115000"/>
+                </a:schemeClr>
+              </a:gs>
+            </a:gsLst>
+            <a:lin ang="10800000" scaled="1"/>
+            <a:tileRect/>
+          </a:gradFill>
+          <a:ln w="12700">
+            <a:noFill/>
+          </a:ln>
+          <a:effectLst>
+            <a:outerShdw blurRad="50800" dist="38100" dir="2700000" algn="tl" rotWithShape="0">
+              <a:prstClr val="black">
+                <a:alpha val="40000"/>
+              </a:prstClr>
+            </a:outerShdw>
+          </a:effectLst>
+        </p:spPr>
+        <p:style>
+          <a:lnRef idx="1">
+            <a:schemeClr val="dk1"/>
+          </a:lnRef>
+          <a:fillRef idx="2">
+            <a:schemeClr val="dk1"/>
+          </a:fillRef>
+          <a:effectRef idx="1">
+            <a:schemeClr val="dk1"/>
+          </a:effectRef>
+          <a:fontRef idx="minor">
+            <a:schemeClr val="dk1"/>
+          </a:fontRef>
+        </p:style>
+        <p:txBody>
+          <a:bodyPr/>
+          <a:lstStyle/>
+          <a:p>
+            <a:pPr algn="ctr"/>
+            <a:endParaRPr lang="de-DE" b="1" dirty="0">
+              <a:solidFill>
+                <a:schemeClr val="dk1"/>
+              </a:solidFill>
+            </a:endParaRPr>
+          </a:p>
+        </p:txBody>
+      </p:sp>
+      <p:sp>
+        <p:nvSpPr>
+          <p:cNvPr id="11" name="Textfeld 10"/>
+          <p:cNvSpPr txBox="1"/>
+          <p:nvPr/>
+        </p:nvSpPr>
+        <p:spPr>
+          <a:xfrm>
+            <a:off x="330645" y="749423"/>
+            <a:ext cx="1732847" cy="338554"/>
+          </a:xfrm>
+          <a:prstGeom prst="rect">
+            <a:avLst/>
+          </a:prstGeom>
+          <a:noFill/>
+        </p:spPr>
+        <p:txBody>
+          <a:bodyPr wrap="none" rtlCol="0">
+            <a:spAutoFit/>
+          </a:bodyPr>
+          <a:lstStyle/>
+          <a:p>
+            <a:r>
+              <a:rPr lang="de-DE" sz="1600" b="1" dirty="0">
+                <a:solidFill>
+                  <a:schemeClr val="bg1"/>
+                </a:solidFill>
+              </a:rPr>
+              <a:t>SQL Server Details</a:t>
+            </a:r>
+          </a:p>
+        </p:txBody>
+      </p:sp>
+      <p:sp>
+        <p:nvSpPr>
+          <p:cNvPr id="12" name="Rechteck 11"/>
+          <p:cNvSpPr/>
+          <p:nvPr/>
+        </p:nvSpPr>
+        <p:spPr>
+          <a:xfrm>
+            <a:off x="-1626" y="9417497"/>
+            <a:ext cx="6858000" cy="488504"/>
+          </a:xfrm>
+          <a:prstGeom prst="rect">
+            <a:avLst/>
+          </a:prstGeom>
+          <a:gradFill flip="none" rotWithShape="1">
+            <a:gsLst>
+              <a:gs pos="0">
+                <a:schemeClr val="tx1">
+                  <a:lumMod val="65000"/>
+                  <a:lumOff val="35000"/>
+                  <a:shade val="30000"/>
+                  <a:satMod val="115000"/>
+                </a:schemeClr>
+              </a:gs>
+              <a:gs pos="50000">
+                <a:schemeClr val="tx1">
+                  <a:lumMod val="65000"/>
+                  <a:lumOff val="35000"/>
+                  <a:shade val="67500"/>
+                  <a:satMod val="115000"/>
+                </a:schemeClr>
+              </a:gs>
+              <a:gs pos="100000">
+                <a:schemeClr val="tx1">
+                  <a:lumMod val="65000"/>
+                  <a:lumOff val="35000"/>
+                  <a:shade val="100000"/>
+                  <a:satMod val="115000"/>
+                </a:schemeClr>
+              </a:gs>
+            </a:gsLst>
+            <a:lin ang="10800000" scaled="1"/>
+            <a:tileRect/>
+          </a:gradFill>
+          <a:ln w="12700">
+            <a:noFill/>
+          </a:ln>
+          <a:effectLst>
+            <a:outerShdw blurRad="50800" dist="38100" dir="2700000" algn="tl" rotWithShape="0">
+              <a:prstClr val="black">
+                <a:alpha val="40000"/>
+              </a:prstClr>
+            </a:outerShdw>
+          </a:effectLst>
+        </p:spPr>
+        <p:style>
+          <a:lnRef idx="1">
+            <a:schemeClr val="dk1"/>
+          </a:lnRef>
+          <a:fillRef idx="2">
+            <a:schemeClr val="dk1"/>
+          </a:fillRef>
+          <a:effectRef idx="1">
+            <a:schemeClr val="dk1"/>
+          </a:effectRef>
+          <a:fontRef idx="minor">
+            <a:schemeClr val="dk1"/>
+          </a:fontRef>
+        </p:style>
+        <p:txBody>
+          <a:bodyPr/>
+          <a:lstStyle/>
+          <a:p>
+            <a:pPr algn="ctr"/>
+            <a:endParaRPr lang="de-DE" b="1" dirty="0">
+              <a:solidFill>
+                <a:schemeClr val="dk1"/>
+              </a:solidFill>
+            </a:endParaRPr>
+          </a:p>
+        </p:txBody>
+      </p:sp>
+      <p:sp>
+        <p:nvSpPr>
+          <p:cNvPr id="9" name="Textfeld 8"/>
+          <p:cNvSpPr txBox="1"/>
+          <p:nvPr/>
+        </p:nvSpPr>
+        <p:spPr>
+          <a:xfrm>
+            <a:off x="148890" y="9524470"/>
+            <a:ext cx="6216766" cy="400110"/>
+          </a:xfrm>
+          <a:prstGeom prst="rect">
+            <a:avLst/>
+          </a:prstGeom>
+          <a:noFill/>
+        </p:spPr>
+        <p:txBody>
+          <a:bodyPr wrap="none" rtlCol="0">
+            <a:spAutoFit/>
+          </a:bodyPr>
+          <a:lstStyle/>
+          <a:p>
+            <a:r>
+              <a:rPr lang="de-DE" sz="1000" b="1" dirty="0">
+                <a:solidFill>
+                  <a:schemeClr val="bg1"/>
+                </a:solidFill>
+              </a:rPr>
+              <a:t>Saxess Software GmbH</a:t>
+            </a:r>
+            <a:r>
+              <a:rPr lang="de-DE" sz="1000" dirty="0">
+                <a:solidFill>
+                  <a:schemeClr val="bg1"/>
+                </a:solidFill>
+              </a:rPr>
+              <a:t> | Springerstr.3 | 04105 Leipzig | Tel. +49 (341) 218299-50 | Mail info@saxess-software.de </a:t>
+            </a:r>
+          </a:p>
+          <a:p>
+            <a:endParaRPr lang="de-DE" sz="1000" dirty="0">
+              <a:solidFill>
+                <a:schemeClr val="bg1"/>
+              </a:solidFill>
+            </a:endParaRPr>
+          </a:p>
+        </p:txBody>
+      </p:sp>
+      <p:pic>
+        <p:nvPicPr>
+          <p:cNvPr id="13" name="Grafik 12"/>
+          <p:cNvPicPr>
+            <a:picLocks noChangeAspect="1"/>
+          </p:cNvPicPr>
+          <p:nvPr/>
+        </p:nvPicPr>
+        <p:blipFill>
+          <a:blip r:embed="rId2" cstate="print">
+            <a:extLst>
+              <a:ext uri="{28A0092B-C50C-407E-A947-70E740481C1C}">
+                <a14:useLocalDpi xmlns:a14="http://schemas.microsoft.com/office/drawing/2010/main" val="0"/>
+              </a:ext>
+            </a:extLst>
+          </a:blip>
+          <a:stretch>
+            <a:fillRect/>
+          </a:stretch>
+        </p:blipFill>
+        <p:spPr>
+          <a:xfrm>
+            <a:off x="5101654" y="131692"/>
+            <a:ext cx="1412776" cy="588178"/>
+          </a:xfrm>
+          <a:prstGeom prst="rect">
+            <a:avLst/>
+          </a:prstGeom>
+        </p:spPr>
+      </p:pic>
+    </p:spTree>
+    <p:extLst>
+      <p:ext uri="{BB962C8B-B14F-4D97-AF65-F5344CB8AC3E}">
+        <p14:creationId xmlns:p14="http://schemas.microsoft.com/office/powerpoint/2010/main" val="3313276137"/>
+      </p:ext>
+    </p:extLst>
+  </p:cSld>
+  <p:clrMapOvr>
+    <a:masterClrMapping/>
+  </p:clrMapOvr>
+</p:sld>
+</file>
+
+<file path=ppt/slides/slide4.xml><?xml version="1.0" encoding="utf-8"?>
 <p:sld xmlns:a="http://schemas.openxmlformats.org/drawingml/2006/main" xmlns:r="http://schemas.openxmlformats.org/officeDocument/2006/relationships" xmlns:p="http://schemas.openxmlformats.org/presentationml/2006/main">
   <p:cSld>
     <p:spTree>
